--- a/Esfericos/Tanques Esfericos.pptx
+++ b/Esfericos/Tanques Esfericos.pptx
@@ -5,7 +5,7 @@
     <p:sldMasterId id="2147483660" r:id="rId1"/>
   </p:sldMasterIdLst>
   <p:notesMasterIdLst>
-    <p:notesMasterId r:id="rId11"/>
+    <p:notesMasterId r:id="rId14"/>
   </p:notesMasterIdLst>
   <p:sldIdLst>
     <p:sldId id="256" r:id="rId2"/>
@@ -14,9 +14,12 @@
     <p:sldId id="259" r:id="rId5"/>
     <p:sldId id="260" r:id="rId6"/>
     <p:sldId id="261" r:id="rId7"/>
-    <p:sldId id="262" r:id="rId8"/>
-    <p:sldId id="263" r:id="rId9"/>
-    <p:sldId id="264" r:id="rId10"/>
+    <p:sldId id="266" r:id="rId8"/>
+    <p:sldId id="262" r:id="rId9"/>
+    <p:sldId id="263" r:id="rId10"/>
+    <p:sldId id="264" r:id="rId11"/>
+    <p:sldId id="267" r:id="rId12"/>
+    <p:sldId id="268" r:id="rId13"/>
   </p:sldIdLst>
   <p:sldSz cx="12192000" cy="6858000"/>
   <p:notesSz cx="6858000" cy="9144000"/>
@@ -205,7 +208,7 @@
           <a:p>
             <a:fld id="{E3DE11A2-FEC7-4C80-A634-1AC23A7E8988}" type="datetimeFigureOut">
               <a:rPr lang="es-419" smtClean="0"/>
-              <a:t>15/7/2019</a:t>
+              <a:t>16/7/2019</a:t>
             </a:fld>
             <a:endParaRPr lang="es-419"/>
           </a:p>
@@ -699,7 +702,7 @@
           <a:p>
             <a:fld id="{95C5F82D-0259-45AD-9662-CBB4BDEF3858}" type="datetime1">
               <a:rPr lang="es-419" smtClean="0"/>
-              <a:t>15/7/2019</a:t>
+              <a:t>16/7/2019</a:t>
             </a:fld>
             <a:endParaRPr lang="es-419"/>
           </a:p>
@@ -911,7 +914,7 @@
           <a:p>
             <a:fld id="{BB9BC165-B0D0-4FF0-9578-57D2EC7848B8}" type="datetime1">
               <a:rPr lang="es-419" smtClean="0"/>
-              <a:t>15/7/2019</a:t>
+              <a:t>16/7/2019</a:t>
             </a:fld>
             <a:endParaRPr lang="es-419"/>
           </a:p>
@@ -1171,7 +1174,7 @@
           <a:p>
             <a:fld id="{3951676A-43C0-460A-B1A6-0A2B7320BB9C}" type="datetime1">
               <a:rPr lang="es-419" smtClean="0"/>
-              <a:t>15/7/2019</a:t>
+              <a:t>16/7/2019</a:t>
             </a:fld>
             <a:endParaRPr lang="es-419"/>
           </a:p>
@@ -1349,7 +1352,7 @@
           <a:p>
             <a:fld id="{2AC9EE8E-D96D-4CA8-B2F8-DEC553773554}" type="datetime1">
               <a:rPr lang="es-419" smtClean="0"/>
-              <a:t>15/7/2019</a:t>
+              <a:t>16/7/2019</a:t>
             </a:fld>
             <a:endParaRPr lang="es-419"/>
           </a:p>
@@ -1696,7 +1699,7 @@
           <a:p>
             <a:fld id="{B9426922-C7AC-476A-9EEE-DE0EA87881D2}" type="datetime1">
               <a:rPr lang="es-419" smtClean="0"/>
-              <a:t>15/7/2019</a:t>
+              <a:t>16/7/2019</a:t>
             </a:fld>
             <a:endParaRPr lang="es-419"/>
           </a:p>
@@ -1975,7 +1978,7 @@
           <a:p>
             <a:fld id="{FA639412-6107-46BF-8F48-4B116A1A1412}" type="datetime1">
               <a:rPr lang="es-419" smtClean="0"/>
-              <a:t>15/7/2019</a:t>
+              <a:t>16/7/2019</a:t>
             </a:fld>
             <a:endParaRPr lang="es-419"/>
           </a:p>
@@ -2358,7 +2361,7 @@
           <a:p>
             <a:fld id="{8F156D31-C727-427E-ABC1-54A50DFD1F2C}" type="datetime1">
               <a:rPr lang="es-419" smtClean="0"/>
-              <a:t>15/7/2019</a:t>
+              <a:t>16/7/2019</a:t>
             </a:fld>
             <a:endParaRPr lang="es-419"/>
           </a:p>
@@ -2480,7 +2483,7 @@
           <a:p>
             <a:fld id="{FF4F1195-DBDA-4D5D-9FB3-9736AE1911EA}" type="datetime1">
               <a:rPr lang="es-419" smtClean="0"/>
-              <a:t>15/7/2019</a:t>
+              <a:t>16/7/2019</a:t>
             </a:fld>
             <a:endParaRPr lang="es-419"/>
           </a:p>
@@ -2655,7 +2658,7 @@
           <a:p>
             <a:fld id="{EFE0EC13-F21C-4A6B-B00C-BBB175B7D9DD}" type="datetime1">
               <a:rPr lang="es-419" smtClean="0"/>
-              <a:t>15/7/2019</a:t>
+              <a:t>16/7/2019</a:t>
             </a:fld>
             <a:endParaRPr lang="es-419"/>
           </a:p>
@@ -3013,7 +3016,7 @@
           <a:p>
             <a:fld id="{82359084-E878-42F0-813B-05B6C9E1082C}" type="datetime1">
               <a:rPr lang="es-419" smtClean="0"/>
-              <a:t>15/7/2019</a:t>
+              <a:t>16/7/2019</a:t>
             </a:fld>
             <a:endParaRPr lang="es-419"/>
           </a:p>
@@ -3399,7 +3402,7 @@
           <a:p>
             <a:fld id="{21479213-DF80-47CD-A83F-CC32073C7BBD}" type="datetime1">
               <a:rPr lang="es-419" smtClean="0"/>
-              <a:t>15/7/2019</a:t>
+              <a:t>16/7/2019</a:t>
             </a:fld>
             <a:endParaRPr lang="es-419"/>
           </a:p>
@@ -3690,7 +3693,7 @@
           <a:p>
             <a:fld id="{14F33996-A693-40CE-805B-D0B3FC15048B}" type="datetime1">
               <a:rPr lang="es-419" smtClean="0"/>
-              <a:t>15/7/2019</a:t>
+              <a:t>16/7/2019</a:t>
             </a:fld>
             <a:endParaRPr lang="es-419"/>
           </a:p>
@@ -4376,6 +4379,1349 @@
 </p:sld>
 </file>
 
+<file path=ppt/slides/slide10.xml><?xml version="1.0" encoding="utf-8"?>
+<p:sld xmlns:a="http://schemas.openxmlformats.org/drawingml/2006/main" xmlns:r="http://schemas.openxmlformats.org/officeDocument/2006/relationships" xmlns:p="http://schemas.openxmlformats.org/presentationml/2006/main">
+  <p:cSld>
+    <p:spTree>
+      <p:nvGrpSpPr>
+        <p:cNvPr id="1" name=""/>
+        <p:cNvGrpSpPr/>
+        <p:nvPr/>
+      </p:nvGrpSpPr>
+      <p:grpSpPr>
+        <a:xfrm>
+          <a:off x="0" y="0"/>
+          <a:ext cx="0" cy="0"/>
+          <a:chOff x="0" y="0"/>
+          <a:chExt cx="0" cy="0"/>
+        </a:xfrm>
+      </p:grpSpPr>
+      <p:sp>
+        <p:nvSpPr>
+          <p:cNvPr id="2" name="Título 1">
+            <a:extLst>
+              <a:ext uri="{FF2B5EF4-FFF2-40B4-BE49-F238E27FC236}">
+                <a16:creationId xmlns:a16="http://schemas.microsoft.com/office/drawing/2014/main" id="{9C8401D3-14C3-4DBC-B550-8D6370C0759F}"/>
+              </a:ext>
+            </a:extLst>
+          </p:cNvPr>
+          <p:cNvSpPr>
+            <a:spLocks noGrp="1"/>
+          </p:cNvSpPr>
+          <p:nvPr>
+            <p:ph type="title"/>
+          </p:nvPr>
+        </p:nvSpPr>
+        <p:spPr/>
+        <p:txBody>
+          <a:bodyPr/>
+          <a:lstStyle/>
+          <a:p>
+            <a:r>
+              <a:rPr lang="en-US" b="1" dirty="0">
+                <a:solidFill>
+                  <a:srgbClr val="FF0000"/>
+                </a:solidFill>
+              </a:rPr>
+              <a:t>Two Coupled Nonlinear Spherical Tanks</a:t>
+            </a:r>
+            <a:endParaRPr lang="pt-BR" b="1" dirty="0">
+              <a:solidFill>
+                <a:srgbClr val="FF0000"/>
+              </a:solidFill>
+            </a:endParaRPr>
+          </a:p>
+        </p:txBody>
+      </p:sp>
+      <p:sp>
+        <p:nvSpPr>
+          <p:cNvPr id="4" name="Espaço Reservado para Rodapé 3">
+            <a:extLst>
+              <a:ext uri="{FF2B5EF4-FFF2-40B4-BE49-F238E27FC236}">
+                <a16:creationId xmlns:a16="http://schemas.microsoft.com/office/drawing/2014/main" id="{96C14B57-0376-4F9D-95AE-1BCE92596E1D}"/>
+              </a:ext>
+            </a:extLst>
+          </p:cNvPr>
+          <p:cNvSpPr>
+            <a:spLocks noGrp="1"/>
+          </p:cNvSpPr>
+          <p:nvPr>
+            <p:ph type="ftr" sz="quarter" idx="11"/>
+          </p:nvPr>
+        </p:nvSpPr>
+        <p:spPr/>
+        <p:txBody>
+          <a:bodyPr/>
+          <a:lstStyle/>
+          <a:p>
+            <a:r>
+              <a:rPr lang="es-ES"/>
+              <a:t>CONTROL AUTOMÁTICO EDUCACIÓN-  Sergio Andres Castaño Giraldo</a:t>
+            </a:r>
+            <a:endParaRPr lang="es-419"/>
+          </a:p>
+        </p:txBody>
+      </p:sp>
+      <p:pic>
+        <p:nvPicPr>
+          <p:cNvPr id="5" name="Imagen 4">
+            <a:extLst>
+              <a:ext uri="{FF2B5EF4-FFF2-40B4-BE49-F238E27FC236}">
+                <a16:creationId xmlns:a16="http://schemas.microsoft.com/office/drawing/2014/main" id="{8879DBD9-61B8-4287-9FD5-3730A766E883}"/>
+              </a:ext>
+            </a:extLst>
+          </p:cNvPr>
+          <p:cNvPicPr>
+            <a:picLocks noChangeAspect="1"/>
+          </p:cNvPicPr>
+          <p:nvPr>
+            <p:custDataLst>
+              <p:tags r:id="rId1"/>
+            </p:custDataLst>
+          </p:nvPr>
+        </p:nvPicPr>
+        <p:blipFill>
+          <a:blip r:embed="rId5">
+            <a:extLst>
+              <a:ext uri="{28A0092B-C50C-407E-A947-70E740481C1C}">
+                <a14:useLocalDpi xmlns:a14="http://schemas.microsoft.com/office/drawing/2010/main" val="0"/>
+              </a:ext>
+            </a:extLst>
+          </a:blip>
+          <a:stretch>
+            <a:fillRect/>
+          </a:stretch>
+        </p:blipFill>
+        <p:spPr>
+          <a:xfrm>
+            <a:off x="1254597" y="2105284"/>
+            <a:ext cx="2505143" cy="592762"/>
+          </a:xfrm>
+          <a:prstGeom prst="rect">
+            <a:avLst/>
+          </a:prstGeom>
+        </p:spPr>
+      </p:pic>
+      <p:pic>
+        <p:nvPicPr>
+          <p:cNvPr id="7" name="Imagen 6">
+            <a:extLst>
+              <a:ext uri="{FF2B5EF4-FFF2-40B4-BE49-F238E27FC236}">
+                <a16:creationId xmlns:a16="http://schemas.microsoft.com/office/drawing/2014/main" id="{CC02DF8C-1717-4E74-89DA-04A7C09B072A}"/>
+              </a:ext>
+            </a:extLst>
+          </p:cNvPr>
+          <p:cNvPicPr>
+            <a:picLocks noChangeAspect="1"/>
+          </p:cNvPicPr>
+          <p:nvPr>
+            <p:custDataLst>
+              <p:tags r:id="rId2"/>
+            </p:custDataLst>
+          </p:nvPr>
+        </p:nvPicPr>
+        <p:blipFill>
+          <a:blip r:embed="rId6">
+            <a:extLst>
+              <a:ext uri="{28A0092B-C50C-407E-A947-70E740481C1C}">
+                <a14:useLocalDpi xmlns:a14="http://schemas.microsoft.com/office/drawing/2010/main" val="0"/>
+              </a:ext>
+            </a:extLst>
+          </a:blip>
+          <a:stretch>
+            <a:fillRect/>
+          </a:stretch>
+        </p:blipFill>
+        <p:spPr>
+          <a:xfrm>
+            <a:off x="1254597" y="3214001"/>
+            <a:ext cx="1871238" cy="589714"/>
+          </a:xfrm>
+          <a:prstGeom prst="rect">
+            <a:avLst/>
+          </a:prstGeom>
+        </p:spPr>
+      </p:pic>
+      <p:pic>
+        <p:nvPicPr>
+          <p:cNvPr id="10" name="Imagen 9">
+            <a:extLst>
+              <a:ext uri="{FF2B5EF4-FFF2-40B4-BE49-F238E27FC236}">
+                <a16:creationId xmlns:a16="http://schemas.microsoft.com/office/drawing/2014/main" id="{14883B08-EE49-4E3C-A69E-11AA67AC6FC0}"/>
+              </a:ext>
+            </a:extLst>
+          </p:cNvPr>
+          <p:cNvPicPr>
+            <a:picLocks noChangeAspect="1"/>
+          </p:cNvPicPr>
+          <p:nvPr>
+            <p:custDataLst>
+              <p:tags r:id="rId3"/>
+            </p:custDataLst>
+          </p:nvPr>
+        </p:nvPicPr>
+        <p:blipFill>
+          <a:blip r:embed="rId7">
+            <a:extLst>
+              <a:ext uri="{28A0092B-C50C-407E-A947-70E740481C1C}">
+                <a14:useLocalDpi xmlns:a14="http://schemas.microsoft.com/office/drawing/2010/main" val="0"/>
+              </a:ext>
+            </a:extLst>
+          </a:blip>
+          <a:stretch>
+            <a:fillRect/>
+          </a:stretch>
+        </p:blipFill>
+        <p:spPr>
+          <a:xfrm>
+            <a:off x="1254596" y="4518144"/>
+            <a:ext cx="2505143" cy="592762"/>
+          </a:xfrm>
+          <a:prstGeom prst="rect">
+            <a:avLst/>
+          </a:prstGeom>
+        </p:spPr>
+      </p:pic>
+    </p:spTree>
+    <p:extLst>
+      <p:ext uri="{BB962C8B-B14F-4D97-AF65-F5344CB8AC3E}">
+        <p14:creationId xmlns:p14="http://schemas.microsoft.com/office/powerpoint/2010/main" val="3624664560"/>
+      </p:ext>
+    </p:extLst>
+  </p:cSld>
+  <p:clrMapOvr>
+    <a:masterClrMapping/>
+  </p:clrMapOvr>
+  <p:timing>
+    <p:tnLst>
+      <p:par>
+        <p:cTn id="1" dur="indefinite" restart="never" nodeType="tmRoot">
+          <p:childTnLst>
+            <p:seq concurrent="1" nextAc="seek">
+              <p:cTn id="2" dur="indefinite" nodeType="mainSeq">
+                <p:childTnLst>
+                  <p:par>
+                    <p:cTn id="3" fill="hold">
+                      <p:stCondLst>
+                        <p:cond delay="indefinite"/>
+                      </p:stCondLst>
+                      <p:childTnLst>
+                        <p:par>
+                          <p:cTn id="4" fill="hold">
+                            <p:stCondLst>
+                              <p:cond delay="0"/>
+                            </p:stCondLst>
+                            <p:childTnLst>
+                              <p:par>
+                                <p:cTn id="5" presetID="1" presetClass="entr" presetSubtype="0" fill="hold" nodeType="clickEffect">
+                                  <p:stCondLst>
+                                    <p:cond delay="0"/>
+                                  </p:stCondLst>
+                                  <p:childTnLst>
+                                    <p:set>
+                                      <p:cBhvr>
+                                        <p:cTn id="6" dur="1" fill="hold">
+                                          <p:stCondLst>
+                                            <p:cond delay="0"/>
+                                          </p:stCondLst>
+                                        </p:cTn>
+                                        <p:tgtEl>
+                                          <p:spTgt spid="5"/>
+                                        </p:tgtEl>
+                                        <p:attrNameLst>
+                                          <p:attrName>style.visibility</p:attrName>
+                                        </p:attrNameLst>
+                                      </p:cBhvr>
+                                      <p:to>
+                                        <p:strVal val="visible"/>
+                                      </p:to>
+                                    </p:set>
+                                  </p:childTnLst>
+                                </p:cTn>
+                              </p:par>
+                            </p:childTnLst>
+                          </p:cTn>
+                        </p:par>
+                      </p:childTnLst>
+                    </p:cTn>
+                  </p:par>
+                  <p:par>
+                    <p:cTn id="7" fill="hold">
+                      <p:stCondLst>
+                        <p:cond delay="indefinite"/>
+                      </p:stCondLst>
+                      <p:childTnLst>
+                        <p:par>
+                          <p:cTn id="8" fill="hold">
+                            <p:stCondLst>
+                              <p:cond delay="0"/>
+                            </p:stCondLst>
+                            <p:childTnLst>
+                              <p:par>
+                                <p:cTn id="9" presetID="1" presetClass="entr" presetSubtype="0" fill="hold" nodeType="clickEffect">
+                                  <p:stCondLst>
+                                    <p:cond delay="0"/>
+                                  </p:stCondLst>
+                                  <p:childTnLst>
+                                    <p:set>
+                                      <p:cBhvr>
+                                        <p:cTn id="10" dur="1" fill="hold">
+                                          <p:stCondLst>
+                                            <p:cond delay="0"/>
+                                          </p:stCondLst>
+                                        </p:cTn>
+                                        <p:tgtEl>
+                                          <p:spTgt spid="7"/>
+                                        </p:tgtEl>
+                                        <p:attrNameLst>
+                                          <p:attrName>style.visibility</p:attrName>
+                                        </p:attrNameLst>
+                                      </p:cBhvr>
+                                      <p:to>
+                                        <p:strVal val="visible"/>
+                                      </p:to>
+                                    </p:set>
+                                  </p:childTnLst>
+                                </p:cTn>
+                              </p:par>
+                            </p:childTnLst>
+                          </p:cTn>
+                        </p:par>
+                      </p:childTnLst>
+                    </p:cTn>
+                  </p:par>
+                  <p:par>
+                    <p:cTn id="11" fill="hold">
+                      <p:stCondLst>
+                        <p:cond delay="indefinite"/>
+                      </p:stCondLst>
+                      <p:childTnLst>
+                        <p:par>
+                          <p:cTn id="12" fill="hold">
+                            <p:stCondLst>
+                              <p:cond delay="0"/>
+                            </p:stCondLst>
+                            <p:childTnLst>
+                              <p:par>
+                                <p:cTn id="13" presetID="1" presetClass="entr" presetSubtype="0" fill="hold" nodeType="clickEffect">
+                                  <p:stCondLst>
+                                    <p:cond delay="0"/>
+                                  </p:stCondLst>
+                                  <p:childTnLst>
+                                    <p:set>
+                                      <p:cBhvr>
+                                        <p:cTn id="14" dur="1" fill="hold">
+                                          <p:stCondLst>
+                                            <p:cond delay="0"/>
+                                          </p:stCondLst>
+                                        </p:cTn>
+                                        <p:tgtEl>
+                                          <p:spTgt spid="10"/>
+                                        </p:tgtEl>
+                                        <p:attrNameLst>
+                                          <p:attrName>style.visibility</p:attrName>
+                                        </p:attrNameLst>
+                                      </p:cBhvr>
+                                      <p:to>
+                                        <p:strVal val="visible"/>
+                                      </p:to>
+                                    </p:set>
+                                  </p:childTnLst>
+                                </p:cTn>
+                              </p:par>
+                            </p:childTnLst>
+                          </p:cTn>
+                        </p:par>
+                      </p:childTnLst>
+                    </p:cTn>
+                  </p:par>
+                </p:childTnLst>
+              </p:cTn>
+              <p:prevCondLst>
+                <p:cond evt="onPrev" delay="0">
+                  <p:tgtEl>
+                    <p:sldTgt/>
+                  </p:tgtEl>
+                </p:cond>
+              </p:prevCondLst>
+              <p:nextCondLst>
+                <p:cond evt="onNext" delay="0">
+                  <p:tgtEl>
+                    <p:sldTgt/>
+                  </p:tgtEl>
+                </p:cond>
+              </p:nextCondLst>
+            </p:seq>
+          </p:childTnLst>
+        </p:cTn>
+      </p:par>
+    </p:tnLst>
+  </p:timing>
+</p:sld>
+</file>
+
+<file path=ppt/slides/slide11.xml><?xml version="1.0" encoding="utf-8"?>
+<p:sld xmlns:a="http://schemas.openxmlformats.org/drawingml/2006/main" xmlns:r="http://schemas.openxmlformats.org/officeDocument/2006/relationships" xmlns:p="http://schemas.openxmlformats.org/presentationml/2006/main">
+  <p:cSld>
+    <p:spTree>
+      <p:nvGrpSpPr>
+        <p:cNvPr id="1" name=""/>
+        <p:cNvGrpSpPr/>
+        <p:nvPr/>
+      </p:nvGrpSpPr>
+      <p:grpSpPr>
+        <a:xfrm>
+          <a:off x="0" y="0"/>
+          <a:ext cx="0" cy="0"/>
+          <a:chOff x="0" y="0"/>
+          <a:chExt cx="0" cy="0"/>
+        </a:xfrm>
+      </p:grpSpPr>
+      <p:sp>
+        <p:nvSpPr>
+          <p:cNvPr id="2" name="Título 1">
+            <a:extLst>
+              <a:ext uri="{FF2B5EF4-FFF2-40B4-BE49-F238E27FC236}">
+                <a16:creationId xmlns:a16="http://schemas.microsoft.com/office/drawing/2014/main" id="{023B7EFE-0244-4002-B94F-FC56D147A58B}"/>
+              </a:ext>
+            </a:extLst>
+          </p:cNvPr>
+          <p:cNvSpPr>
+            <a:spLocks noGrp="1"/>
+          </p:cNvSpPr>
+          <p:nvPr>
+            <p:ph type="title"/>
+          </p:nvPr>
+        </p:nvSpPr>
+        <p:spPr/>
+        <p:txBody>
+          <a:bodyPr/>
+          <a:lstStyle/>
+          <a:p>
+            <a:r>
+              <a:rPr lang="en-US" b="1" dirty="0" err="1">
+                <a:solidFill>
+                  <a:srgbClr val="FF0000"/>
+                </a:solidFill>
+              </a:rPr>
+              <a:t>Equações</a:t>
+            </a:r>
+            <a:r>
+              <a:rPr lang="en-US" b="1" dirty="0">
+                <a:solidFill>
+                  <a:srgbClr val="FF0000"/>
+                </a:solidFill>
+              </a:rPr>
+              <a:t> </a:t>
+            </a:r>
+            <a:r>
+              <a:rPr lang="en-US" b="1" dirty="0" err="1">
+                <a:solidFill>
+                  <a:srgbClr val="FF0000"/>
+                </a:solidFill>
+              </a:rPr>
+              <a:t>Diferenciais</a:t>
+            </a:r>
+            <a:r>
+              <a:rPr lang="en-US" b="1" dirty="0">
+                <a:solidFill>
+                  <a:srgbClr val="FF0000"/>
+                </a:solidFill>
+              </a:rPr>
+              <a:t> </a:t>
+            </a:r>
+            <a:r>
+              <a:rPr lang="en-US" b="1" dirty="0" err="1">
+                <a:solidFill>
+                  <a:srgbClr val="FF0000"/>
+                </a:solidFill>
+              </a:rPr>
+              <a:t>em</a:t>
+            </a:r>
+            <a:r>
+              <a:rPr lang="en-US" b="1" dirty="0">
+                <a:solidFill>
+                  <a:srgbClr val="FF0000"/>
+                </a:solidFill>
+              </a:rPr>
+              <a:t> </a:t>
+            </a:r>
+            <a:r>
+              <a:rPr lang="en-US" b="1" dirty="0" err="1">
+                <a:solidFill>
+                  <a:srgbClr val="FF0000"/>
+                </a:solidFill>
+              </a:rPr>
+              <a:t>Matlab</a:t>
+            </a:r>
+            <a:endParaRPr lang="pt-BR" b="1" dirty="0">
+              <a:solidFill>
+                <a:srgbClr val="FF0000"/>
+              </a:solidFill>
+            </a:endParaRPr>
+          </a:p>
+        </p:txBody>
+      </p:sp>
+      <p:pic>
+        <p:nvPicPr>
+          <p:cNvPr id="5" name="Marcador de contenido 4">
+            <a:extLst>
+              <a:ext uri="{FF2B5EF4-FFF2-40B4-BE49-F238E27FC236}">
+                <a16:creationId xmlns:a16="http://schemas.microsoft.com/office/drawing/2014/main" id="{B182DFAF-13F2-443D-8540-4FEE4D47B47D}"/>
+              </a:ext>
+            </a:extLst>
+          </p:cNvPr>
+          <p:cNvPicPr>
+            <a:picLocks noGrp="1" noChangeAspect="1"/>
+          </p:cNvPicPr>
+          <p:nvPr>
+            <p:ph idx="1"/>
+          </p:nvPr>
+        </p:nvPicPr>
+        <p:blipFill>
+          <a:blip r:embed="rId2"/>
+          <a:stretch>
+            <a:fillRect/>
+          </a:stretch>
+        </p:blipFill>
+        <p:spPr>
+          <a:xfrm>
+            <a:off x="1607080" y="1846263"/>
+            <a:ext cx="9038166" cy="4022725"/>
+          </a:xfrm>
+          <a:prstGeom prst="rect">
+            <a:avLst/>
+          </a:prstGeom>
+        </p:spPr>
+      </p:pic>
+      <p:sp>
+        <p:nvSpPr>
+          <p:cNvPr id="4" name="Marcador de pie de página 3">
+            <a:extLst>
+              <a:ext uri="{FF2B5EF4-FFF2-40B4-BE49-F238E27FC236}">
+                <a16:creationId xmlns:a16="http://schemas.microsoft.com/office/drawing/2014/main" id="{A0E04A36-FC6B-46D9-8140-81E9E921AA59}"/>
+              </a:ext>
+            </a:extLst>
+          </p:cNvPr>
+          <p:cNvSpPr>
+            <a:spLocks noGrp="1"/>
+          </p:cNvSpPr>
+          <p:nvPr>
+            <p:ph type="ftr" sz="quarter" idx="11"/>
+          </p:nvPr>
+        </p:nvSpPr>
+        <p:spPr/>
+        <p:txBody>
+          <a:bodyPr/>
+          <a:lstStyle/>
+          <a:p>
+            <a:r>
+              <a:rPr lang="es-ES"/>
+              <a:t>Sergio andres castaño giraldo – control automático educación</a:t>
+            </a:r>
+            <a:endParaRPr lang="es-419"/>
+          </a:p>
+        </p:txBody>
+      </p:sp>
+    </p:spTree>
+    <p:extLst>
+      <p:ext uri="{BB962C8B-B14F-4D97-AF65-F5344CB8AC3E}">
+        <p14:creationId xmlns:p14="http://schemas.microsoft.com/office/powerpoint/2010/main" val="496664653"/>
+      </p:ext>
+    </p:extLst>
+  </p:cSld>
+  <p:clrMapOvr>
+    <a:masterClrMapping/>
+  </p:clrMapOvr>
+</p:sld>
+</file>
+
+<file path=ppt/slides/slide12.xml><?xml version="1.0" encoding="utf-8"?>
+<p:sld xmlns:a="http://schemas.openxmlformats.org/drawingml/2006/main" xmlns:r="http://schemas.openxmlformats.org/officeDocument/2006/relationships" xmlns:p="http://schemas.openxmlformats.org/presentationml/2006/main">
+  <p:cSld>
+    <p:spTree>
+      <p:nvGrpSpPr>
+        <p:cNvPr id="1" name=""/>
+        <p:cNvGrpSpPr/>
+        <p:nvPr/>
+      </p:nvGrpSpPr>
+      <p:grpSpPr>
+        <a:xfrm>
+          <a:off x="0" y="0"/>
+          <a:ext cx="0" cy="0"/>
+          <a:chOff x="0" y="0"/>
+          <a:chExt cx="0" cy="0"/>
+        </a:xfrm>
+      </p:grpSpPr>
+      <p:sp>
+        <p:nvSpPr>
+          <p:cNvPr id="2" name="Título 1">
+            <a:extLst>
+              <a:ext uri="{FF2B5EF4-FFF2-40B4-BE49-F238E27FC236}">
+                <a16:creationId xmlns:a16="http://schemas.microsoft.com/office/drawing/2014/main" id="{023B7EFE-0244-4002-B94F-FC56D147A58B}"/>
+              </a:ext>
+            </a:extLst>
+          </p:cNvPr>
+          <p:cNvSpPr>
+            <a:spLocks noGrp="1"/>
+          </p:cNvSpPr>
+          <p:nvPr>
+            <p:ph type="title"/>
+          </p:nvPr>
+        </p:nvSpPr>
+        <p:spPr/>
+        <p:txBody>
+          <a:bodyPr/>
+          <a:lstStyle/>
+          <a:p>
+            <a:r>
+              <a:rPr lang="en-US" b="1" dirty="0" err="1">
+                <a:solidFill>
+                  <a:srgbClr val="FF0000"/>
+                </a:solidFill>
+              </a:rPr>
+              <a:t>Equações</a:t>
+            </a:r>
+            <a:r>
+              <a:rPr lang="en-US" b="1" dirty="0">
+                <a:solidFill>
+                  <a:srgbClr val="FF0000"/>
+                </a:solidFill>
+              </a:rPr>
+              <a:t> </a:t>
+            </a:r>
+            <a:r>
+              <a:rPr lang="en-US" b="1" dirty="0" err="1">
+                <a:solidFill>
+                  <a:srgbClr val="FF0000"/>
+                </a:solidFill>
+              </a:rPr>
+              <a:t>Diferenciais</a:t>
+            </a:r>
+            <a:r>
+              <a:rPr lang="en-US" b="1" dirty="0">
+                <a:solidFill>
+                  <a:srgbClr val="FF0000"/>
+                </a:solidFill>
+              </a:rPr>
+              <a:t> </a:t>
+            </a:r>
+            <a:r>
+              <a:rPr lang="en-US" b="1" dirty="0" err="1">
+                <a:solidFill>
+                  <a:srgbClr val="FF0000"/>
+                </a:solidFill>
+              </a:rPr>
+              <a:t>em</a:t>
+            </a:r>
+            <a:r>
+              <a:rPr lang="en-US" b="1" dirty="0">
+                <a:solidFill>
+                  <a:srgbClr val="FF0000"/>
+                </a:solidFill>
+              </a:rPr>
+              <a:t> </a:t>
+            </a:r>
+            <a:r>
+              <a:rPr lang="en-US" b="1" dirty="0" err="1">
+                <a:solidFill>
+                  <a:srgbClr val="FF0000"/>
+                </a:solidFill>
+              </a:rPr>
+              <a:t>Matlab</a:t>
+            </a:r>
+            <a:endParaRPr lang="pt-BR" b="1" dirty="0">
+              <a:solidFill>
+                <a:srgbClr val="FF0000"/>
+              </a:solidFill>
+            </a:endParaRPr>
+          </a:p>
+        </p:txBody>
+      </p:sp>
+      <p:sp>
+        <p:nvSpPr>
+          <p:cNvPr id="4" name="Marcador de pie de página 3">
+            <a:extLst>
+              <a:ext uri="{FF2B5EF4-FFF2-40B4-BE49-F238E27FC236}">
+                <a16:creationId xmlns:a16="http://schemas.microsoft.com/office/drawing/2014/main" id="{A0E04A36-FC6B-46D9-8140-81E9E921AA59}"/>
+              </a:ext>
+            </a:extLst>
+          </p:cNvPr>
+          <p:cNvSpPr>
+            <a:spLocks noGrp="1"/>
+          </p:cNvSpPr>
+          <p:nvPr>
+            <p:ph type="ftr" sz="quarter" idx="11"/>
+          </p:nvPr>
+        </p:nvSpPr>
+        <p:spPr/>
+        <p:txBody>
+          <a:bodyPr/>
+          <a:lstStyle/>
+          <a:p>
+            <a:r>
+              <a:rPr lang="es-ES"/>
+              <a:t>Sergio andres castaño giraldo – control automático educación</a:t>
+            </a:r>
+            <a:endParaRPr lang="es-419"/>
+          </a:p>
+        </p:txBody>
+      </p:sp>
+      <p:sp>
+        <p:nvSpPr>
+          <p:cNvPr id="7" name="Rectángulo 6">
+            <a:extLst>
+              <a:ext uri="{FF2B5EF4-FFF2-40B4-BE49-F238E27FC236}">
+                <a16:creationId xmlns:a16="http://schemas.microsoft.com/office/drawing/2014/main" id="{60E3EE28-E3F5-4346-996A-3E47E6ACCB3B}"/>
+              </a:ext>
+            </a:extLst>
+          </p:cNvPr>
+          <p:cNvSpPr/>
+          <p:nvPr/>
+        </p:nvSpPr>
+        <p:spPr>
+          <a:xfrm>
+            <a:off x="1201443" y="2230488"/>
+            <a:ext cx="7676225" cy="646331"/>
+          </a:xfrm>
+          <a:prstGeom prst="rect">
+            <a:avLst/>
+          </a:prstGeom>
+        </p:spPr>
+        <p:txBody>
+          <a:bodyPr wrap="square">
+            <a:spAutoFit/>
+          </a:bodyPr>
+          <a:lstStyle/>
+          <a:p>
+            <a:r>
+              <a:rPr lang="pt-BR" dirty="0" err="1">
+                <a:solidFill>
+                  <a:srgbClr val="000000"/>
+                </a:solidFill>
+                <a:latin typeface="Courier New" panose="02070309020205020404" pitchFamily="49" charset="0"/>
+              </a:rPr>
+              <a:t>Eq</a:t>
+            </a:r>
+            <a:r>
+              <a:rPr lang="pt-BR" dirty="0">
+                <a:solidFill>
+                  <a:srgbClr val="000000"/>
+                </a:solidFill>
+                <a:latin typeface="Courier New" panose="02070309020205020404" pitchFamily="49" charset="0"/>
+              </a:rPr>
+              <a:t>=[h1s h2s];</a:t>
+            </a:r>
+          </a:p>
+          <a:p>
+            <a:r>
+              <a:rPr lang="fr-FR" dirty="0">
+                <a:solidFill>
+                  <a:srgbClr val="000000"/>
+                </a:solidFill>
+                <a:latin typeface="Courier New" panose="02070309020205020404" pitchFamily="49" charset="0"/>
+              </a:rPr>
+              <a:t>[ts,X1] = ode45(@(</a:t>
+            </a:r>
+            <a:r>
+              <a:rPr lang="fr-FR" dirty="0" err="1">
+                <a:solidFill>
+                  <a:srgbClr val="000000"/>
+                </a:solidFill>
+                <a:latin typeface="Courier New" panose="02070309020205020404" pitchFamily="49" charset="0"/>
+              </a:rPr>
+              <a:t>t,x</a:t>
+            </a:r>
+            <a:r>
+              <a:rPr lang="fr-FR" dirty="0">
+                <a:solidFill>
+                  <a:srgbClr val="000000"/>
+                </a:solidFill>
+                <a:latin typeface="Courier New" panose="02070309020205020404" pitchFamily="49" charset="0"/>
+              </a:rPr>
+              <a:t>)</a:t>
+            </a:r>
+            <a:r>
+              <a:rPr lang="fr-FR" dirty="0" err="1">
+                <a:solidFill>
+                  <a:srgbClr val="000000"/>
+                </a:solidFill>
+                <a:latin typeface="Courier New" panose="02070309020205020404" pitchFamily="49" charset="0"/>
+              </a:rPr>
+              <a:t>tankmodel</a:t>
+            </a:r>
+            <a:r>
+              <a:rPr lang="fr-FR" dirty="0">
+                <a:solidFill>
+                  <a:srgbClr val="000000"/>
+                </a:solidFill>
+                <a:latin typeface="Courier New" panose="02070309020205020404" pitchFamily="49" charset="0"/>
+              </a:rPr>
+              <a:t>(</a:t>
+            </a:r>
+            <a:r>
+              <a:rPr lang="fr-FR" dirty="0" err="1">
+                <a:solidFill>
+                  <a:srgbClr val="000000"/>
+                </a:solidFill>
+                <a:latin typeface="Courier New" panose="02070309020205020404" pitchFamily="49" charset="0"/>
+              </a:rPr>
+              <a:t>t,x,u,par</a:t>
+            </a:r>
+            <a:r>
+              <a:rPr lang="fr-FR" dirty="0">
+                <a:solidFill>
+                  <a:srgbClr val="000000"/>
+                </a:solidFill>
+                <a:latin typeface="Courier New" panose="02070309020205020404" pitchFamily="49" charset="0"/>
+              </a:rPr>
+              <a:t>), t , Eq);</a:t>
+            </a:r>
+          </a:p>
+        </p:txBody>
+      </p:sp>
+      <p:sp>
+        <p:nvSpPr>
+          <p:cNvPr id="8" name="CuadroTexto 7">
+            <a:extLst>
+              <a:ext uri="{FF2B5EF4-FFF2-40B4-BE49-F238E27FC236}">
+                <a16:creationId xmlns:a16="http://schemas.microsoft.com/office/drawing/2014/main" id="{A8D89739-8181-4F2A-B989-73C15FDB4726}"/>
+              </a:ext>
+            </a:extLst>
+          </p:cNvPr>
+          <p:cNvSpPr txBox="1"/>
+          <p:nvPr/>
+        </p:nvSpPr>
+        <p:spPr>
+          <a:xfrm>
+            <a:off x="8079252" y="2974845"/>
+            <a:ext cx="1072538" cy="369332"/>
+          </a:xfrm>
+          <a:prstGeom prst="rect">
+            <a:avLst/>
+          </a:prstGeom>
+          <a:noFill/>
+        </p:spPr>
+        <p:txBody>
+          <a:bodyPr wrap="none" rtlCol="0">
+            <a:spAutoFit/>
+          </a:bodyPr>
+          <a:lstStyle/>
+          <a:p>
+            <a:r>
+              <a:rPr lang="pt-BR" dirty="0" err="1"/>
+              <a:t>Equilibrio</a:t>
+            </a:r>
+            <a:endParaRPr lang="pt-BR" dirty="0"/>
+          </a:p>
+        </p:txBody>
+      </p:sp>
+      <p:sp>
+        <p:nvSpPr>
+          <p:cNvPr id="9" name="CuadroTexto 8">
+            <a:extLst>
+              <a:ext uri="{FF2B5EF4-FFF2-40B4-BE49-F238E27FC236}">
+                <a16:creationId xmlns:a16="http://schemas.microsoft.com/office/drawing/2014/main" id="{9587E9DE-8B23-41C7-B54A-67D837D8FF22}"/>
+              </a:ext>
+            </a:extLst>
+          </p:cNvPr>
+          <p:cNvSpPr txBox="1"/>
+          <p:nvPr/>
+        </p:nvSpPr>
+        <p:spPr>
+          <a:xfrm>
+            <a:off x="8079252" y="3442203"/>
+            <a:ext cx="819776" cy="369332"/>
+          </a:xfrm>
+          <a:prstGeom prst="rect">
+            <a:avLst/>
+          </a:prstGeom>
+          <a:noFill/>
+        </p:spPr>
+        <p:txBody>
+          <a:bodyPr wrap="none" rtlCol="0">
+            <a:spAutoFit/>
+          </a:bodyPr>
+          <a:lstStyle/>
+          <a:p>
+            <a:r>
+              <a:rPr lang="pt-BR" dirty="0"/>
+              <a:t>Tempo</a:t>
+            </a:r>
+          </a:p>
+        </p:txBody>
+      </p:sp>
+      <p:sp>
+        <p:nvSpPr>
+          <p:cNvPr id="10" name="CuadroTexto 9">
+            <a:extLst>
+              <a:ext uri="{FF2B5EF4-FFF2-40B4-BE49-F238E27FC236}">
+                <a16:creationId xmlns:a16="http://schemas.microsoft.com/office/drawing/2014/main" id="{2441F2AE-7AA7-470A-A997-2644FF2F8C2B}"/>
+              </a:ext>
+            </a:extLst>
+          </p:cNvPr>
+          <p:cNvSpPr txBox="1"/>
+          <p:nvPr/>
+        </p:nvSpPr>
+        <p:spPr>
+          <a:xfrm>
+            <a:off x="4395019" y="3059668"/>
+            <a:ext cx="915635" cy="369332"/>
+          </a:xfrm>
+          <a:prstGeom prst="rect">
+            <a:avLst/>
+          </a:prstGeom>
+          <a:noFill/>
+        </p:spPr>
+        <p:txBody>
+          <a:bodyPr wrap="none" rtlCol="0">
+            <a:spAutoFit/>
+          </a:bodyPr>
+          <a:lstStyle/>
+          <a:p>
+            <a:r>
+              <a:rPr lang="pt-BR" dirty="0"/>
+              <a:t>Modelo</a:t>
+            </a:r>
+          </a:p>
+        </p:txBody>
+      </p:sp>
+      <p:sp>
+        <p:nvSpPr>
+          <p:cNvPr id="11" name="CuadroTexto 10">
+            <a:extLst>
+              <a:ext uri="{FF2B5EF4-FFF2-40B4-BE49-F238E27FC236}">
+                <a16:creationId xmlns:a16="http://schemas.microsoft.com/office/drawing/2014/main" id="{54A7EAEE-867F-4F1A-A795-740A58EBD6AE}"/>
+              </a:ext>
+            </a:extLst>
+          </p:cNvPr>
+          <p:cNvSpPr txBox="1"/>
+          <p:nvPr/>
+        </p:nvSpPr>
+        <p:spPr>
+          <a:xfrm>
+            <a:off x="4920773" y="3475092"/>
+            <a:ext cx="902235" cy="369332"/>
+          </a:xfrm>
+          <a:prstGeom prst="rect">
+            <a:avLst/>
+          </a:prstGeom>
+          <a:noFill/>
+        </p:spPr>
+        <p:txBody>
+          <a:bodyPr wrap="none" rtlCol="0">
+            <a:spAutoFit/>
+          </a:bodyPr>
+          <a:lstStyle/>
+          <a:p>
+            <a:r>
+              <a:rPr lang="pt-BR" dirty="0"/>
+              <a:t>Estados</a:t>
+            </a:r>
+          </a:p>
+        </p:txBody>
+      </p:sp>
+      <p:sp>
+        <p:nvSpPr>
+          <p:cNvPr id="12" name="CuadroTexto 11">
+            <a:extLst>
+              <a:ext uri="{FF2B5EF4-FFF2-40B4-BE49-F238E27FC236}">
+                <a16:creationId xmlns:a16="http://schemas.microsoft.com/office/drawing/2014/main" id="{04622F36-2107-4260-8F6B-E9F1A8E1021C}"/>
+              </a:ext>
+            </a:extLst>
+          </p:cNvPr>
+          <p:cNvSpPr txBox="1"/>
+          <p:nvPr/>
+        </p:nvSpPr>
+        <p:spPr>
+          <a:xfrm>
+            <a:off x="5575897" y="3833625"/>
+            <a:ext cx="1001749" cy="369332"/>
+          </a:xfrm>
+          <a:prstGeom prst="rect">
+            <a:avLst/>
+          </a:prstGeom>
+          <a:noFill/>
+        </p:spPr>
+        <p:txBody>
+          <a:bodyPr wrap="none" rtlCol="0">
+            <a:spAutoFit/>
+          </a:bodyPr>
+          <a:lstStyle/>
+          <a:p>
+            <a:r>
+              <a:rPr lang="pt-BR" dirty="0"/>
+              <a:t>Entradas</a:t>
+            </a:r>
+          </a:p>
+        </p:txBody>
+      </p:sp>
+      <p:sp>
+        <p:nvSpPr>
+          <p:cNvPr id="13" name="CuadroTexto 12">
+            <a:extLst>
+              <a:ext uri="{FF2B5EF4-FFF2-40B4-BE49-F238E27FC236}">
+                <a16:creationId xmlns:a16="http://schemas.microsoft.com/office/drawing/2014/main" id="{793F377B-CE73-4D6A-A801-C57836FD3FAB}"/>
+              </a:ext>
+            </a:extLst>
+          </p:cNvPr>
+          <p:cNvSpPr txBox="1"/>
+          <p:nvPr/>
+        </p:nvSpPr>
+        <p:spPr>
+          <a:xfrm>
+            <a:off x="6252105" y="3438177"/>
+            <a:ext cx="1258486" cy="369332"/>
+          </a:xfrm>
+          <a:prstGeom prst="rect">
+            <a:avLst/>
+          </a:prstGeom>
+          <a:noFill/>
+        </p:spPr>
+        <p:txBody>
+          <a:bodyPr wrap="none" rtlCol="0">
+            <a:spAutoFit/>
+          </a:bodyPr>
+          <a:lstStyle/>
+          <a:p>
+            <a:r>
+              <a:rPr lang="pt-BR" dirty="0"/>
+              <a:t>Parâmetros</a:t>
+            </a:r>
+          </a:p>
+        </p:txBody>
+      </p:sp>
+      <p:sp>
+        <p:nvSpPr>
+          <p:cNvPr id="14" name="CuadroTexto 13">
+            <a:extLst>
+              <a:ext uri="{FF2B5EF4-FFF2-40B4-BE49-F238E27FC236}">
+                <a16:creationId xmlns:a16="http://schemas.microsoft.com/office/drawing/2014/main" id="{1A2FA88C-A119-47B4-84C1-7829D4532831}"/>
+              </a:ext>
+            </a:extLst>
+          </p:cNvPr>
+          <p:cNvSpPr txBox="1"/>
+          <p:nvPr/>
+        </p:nvSpPr>
+        <p:spPr>
+          <a:xfrm>
+            <a:off x="2240893" y="3263297"/>
+            <a:ext cx="936218" cy="369332"/>
+          </a:xfrm>
+          <a:prstGeom prst="rect">
+            <a:avLst/>
+          </a:prstGeom>
+          <a:noFill/>
+        </p:spPr>
+        <p:txBody>
+          <a:bodyPr wrap="none" rtlCol="0">
+            <a:spAutoFit/>
+          </a:bodyPr>
+          <a:lstStyle/>
+          <a:p>
+            <a:r>
+              <a:rPr lang="pt-BR" dirty="0"/>
+              <a:t>Método</a:t>
+            </a:r>
+          </a:p>
+        </p:txBody>
+      </p:sp>
+      <p:cxnSp>
+        <p:nvCxnSpPr>
+          <p:cNvPr id="16" name="Conector recto de flecha 15">
+            <a:extLst>
+              <a:ext uri="{FF2B5EF4-FFF2-40B4-BE49-F238E27FC236}">
+                <a16:creationId xmlns:a16="http://schemas.microsoft.com/office/drawing/2014/main" id="{B0C14E25-F0B5-489A-A18A-7FD85B512B79}"/>
+              </a:ext>
+            </a:extLst>
+          </p:cNvPr>
+          <p:cNvCxnSpPr>
+            <a:endCxn id="14" idx="0"/>
+          </p:cNvCxnSpPr>
+          <p:nvPr/>
+        </p:nvCxnSpPr>
+        <p:spPr>
+          <a:xfrm flipH="1">
+            <a:off x="2709002" y="2876819"/>
+            <a:ext cx="229507" cy="386478"/>
+          </a:xfrm>
+          <a:prstGeom prst="straightConnector1">
+            <a:avLst/>
+          </a:prstGeom>
+          <a:ln>
+            <a:tailEnd type="triangle"/>
+          </a:ln>
+        </p:spPr>
+        <p:style>
+          <a:lnRef idx="1">
+            <a:schemeClr val="accent1"/>
+          </a:lnRef>
+          <a:fillRef idx="0">
+            <a:schemeClr val="accent1"/>
+          </a:fillRef>
+          <a:effectRef idx="0">
+            <a:schemeClr val="accent1"/>
+          </a:effectRef>
+          <a:fontRef idx="minor">
+            <a:schemeClr val="tx1"/>
+          </a:fontRef>
+        </p:style>
+      </p:cxnSp>
+      <p:cxnSp>
+        <p:nvCxnSpPr>
+          <p:cNvPr id="18" name="Conector recto de flecha 17">
+            <a:extLst>
+              <a:ext uri="{FF2B5EF4-FFF2-40B4-BE49-F238E27FC236}">
+                <a16:creationId xmlns:a16="http://schemas.microsoft.com/office/drawing/2014/main" id="{A27C2C0B-96BE-46E0-8518-268B68C035C7}"/>
+              </a:ext>
+            </a:extLst>
+          </p:cNvPr>
+          <p:cNvCxnSpPr>
+            <a:endCxn id="10" idx="0"/>
+          </p:cNvCxnSpPr>
+          <p:nvPr/>
+        </p:nvCxnSpPr>
+        <p:spPr>
+          <a:xfrm>
+            <a:off x="4852836" y="2876819"/>
+            <a:ext cx="1" cy="182849"/>
+          </a:xfrm>
+          <a:prstGeom prst="straightConnector1">
+            <a:avLst/>
+          </a:prstGeom>
+          <a:ln>
+            <a:tailEnd type="triangle"/>
+          </a:ln>
+        </p:spPr>
+        <p:style>
+          <a:lnRef idx="1">
+            <a:schemeClr val="accent1"/>
+          </a:lnRef>
+          <a:fillRef idx="0">
+            <a:schemeClr val="accent1"/>
+          </a:fillRef>
+          <a:effectRef idx="0">
+            <a:schemeClr val="accent1"/>
+          </a:effectRef>
+          <a:fontRef idx="minor">
+            <a:schemeClr val="tx1"/>
+          </a:fontRef>
+        </p:style>
+      </p:cxnSp>
+      <p:cxnSp>
+        <p:nvCxnSpPr>
+          <p:cNvPr id="20" name="Conector recto de flecha 19">
+            <a:extLst>
+              <a:ext uri="{FF2B5EF4-FFF2-40B4-BE49-F238E27FC236}">
+                <a16:creationId xmlns:a16="http://schemas.microsoft.com/office/drawing/2014/main" id="{3D373F34-BED0-4746-904A-7EC0E9650D8C}"/>
+              </a:ext>
+            </a:extLst>
+          </p:cNvPr>
+          <p:cNvCxnSpPr/>
+          <p:nvPr/>
+        </p:nvCxnSpPr>
+        <p:spPr>
+          <a:xfrm flipH="1">
+            <a:off x="5536682" y="2783578"/>
+            <a:ext cx="429112" cy="636245"/>
+          </a:xfrm>
+          <a:prstGeom prst="straightConnector1">
+            <a:avLst/>
+          </a:prstGeom>
+          <a:ln>
+            <a:tailEnd type="triangle"/>
+          </a:ln>
+        </p:spPr>
+        <p:style>
+          <a:lnRef idx="1">
+            <a:schemeClr val="accent1"/>
+          </a:lnRef>
+          <a:fillRef idx="0">
+            <a:schemeClr val="accent1"/>
+          </a:fillRef>
+          <a:effectRef idx="0">
+            <a:schemeClr val="accent1"/>
+          </a:effectRef>
+          <a:fontRef idx="minor">
+            <a:schemeClr val="tx1"/>
+          </a:fontRef>
+        </p:style>
+      </p:cxnSp>
+      <p:cxnSp>
+        <p:nvCxnSpPr>
+          <p:cNvPr id="22" name="Conector recto de flecha 21">
+            <a:extLst>
+              <a:ext uri="{FF2B5EF4-FFF2-40B4-BE49-F238E27FC236}">
+                <a16:creationId xmlns:a16="http://schemas.microsoft.com/office/drawing/2014/main" id="{1A33FE30-8D1D-4477-8466-9C9F881C3D00}"/>
+              </a:ext>
+            </a:extLst>
+          </p:cNvPr>
+          <p:cNvCxnSpPr>
+            <a:endCxn id="12" idx="0"/>
+          </p:cNvCxnSpPr>
+          <p:nvPr/>
+        </p:nvCxnSpPr>
+        <p:spPr>
+          <a:xfrm flipH="1">
+            <a:off x="6076772" y="2839376"/>
+            <a:ext cx="174716" cy="994249"/>
+          </a:xfrm>
+          <a:prstGeom prst="straightConnector1">
+            <a:avLst/>
+          </a:prstGeom>
+          <a:ln>
+            <a:tailEnd type="triangle"/>
+          </a:ln>
+        </p:spPr>
+        <p:style>
+          <a:lnRef idx="1">
+            <a:schemeClr val="accent1"/>
+          </a:lnRef>
+          <a:fillRef idx="0">
+            <a:schemeClr val="accent1"/>
+          </a:fillRef>
+          <a:effectRef idx="0">
+            <a:schemeClr val="accent1"/>
+          </a:effectRef>
+          <a:fontRef idx="minor">
+            <a:schemeClr val="tx1"/>
+          </a:fontRef>
+        </p:style>
+      </p:cxnSp>
+      <p:cxnSp>
+        <p:nvCxnSpPr>
+          <p:cNvPr id="24" name="Conector recto de flecha 23">
+            <a:extLst>
+              <a:ext uri="{FF2B5EF4-FFF2-40B4-BE49-F238E27FC236}">
+                <a16:creationId xmlns:a16="http://schemas.microsoft.com/office/drawing/2014/main" id="{4F8DBD75-6AF4-4FF7-ACC5-F510E7AAA601}"/>
+              </a:ext>
+            </a:extLst>
+          </p:cNvPr>
+          <p:cNvCxnSpPr>
+            <a:endCxn id="13" idx="0"/>
+          </p:cNvCxnSpPr>
+          <p:nvPr/>
+        </p:nvCxnSpPr>
+        <p:spPr>
+          <a:xfrm>
+            <a:off x="6596499" y="2783578"/>
+            <a:ext cx="284849" cy="654599"/>
+          </a:xfrm>
+          <a:prstGeom prst="straightConnector1">
+            <a:avLst/>
+          </a:prstGeom>
+          <a:ln>
+            <a:tailEnd type="triangle"/>
+          </a:ln>
+        </p:spPr>
+        <p:style>
+          <a:lnRef idx="1">
+            <a:schemeClr val="accent1"/>
+          </a:lnRef>
+          <a:fillRef idx="0">
+            <a:schemeClr val="accent1"/>
+          </a:fillRef>
+          <a:effectRef idx="0">
+            <a:schemeClr val="accent1"/>
+          </a:effectRef>
+          <a:fontRef idx="minor">
+            <a:schemeClr val="tx1"/>
+          </a:fontRef>
+        </p:style>
+      </p:cxnSp>
+      <p:cxnSp>
+        <p:nvCxnSpPr>
+          <p:cNvPr id="26" name="Conector recto de flecha 25">
+            <a:extLst>
+              <a:ext uri="{FF2B5EF4-FFF2-40B4-BE49-F238E27FC236}">
+                <a16:creationId xmlns:a16="http://schemas.microsoft.com/office/drawing/2014/main" id="{6AC60B28-7259-4EB0-9FE6-3FCD2A972ABE}"/>
+              </a:ext>
+            </a:extLst>
+          </p:cNvPr>
+          <p:cNvCxnSpPr>
+            <a:endCxn id="9" idx="1"/>
+          </p:cNvCxnSpPr>
+          <p:nvPr/>
+        </p:nvCxnSpPr>
+        <p:spPr>
+          <a:xfrm>
+            <a:off x="7422153" y="2783578"/>
+            <a:ext cx="657099" cy="843291"/>
+          </a:xfrm>
+          <a:prstGeom prst="straightConnector1">
+            <a:avLst/>
+          </a:prstGeom>
+          <a:ln>
+            <a:tailEnd type="triangle"/>
+          </a:ln>
+        </p:spPr>
+        <p:style>
+          <a:lnRef idx="1">
+            <a:schemeClr val="accent1"/>
+          </a:lnRef>
+          <a:fillRef idx="0">
+            <a:schemeClr val="accent1"/>
+          </a:fillRef>
+          <a:effectRef idx="0">
+            <a:schemeClr val="accent1"/>
+          </a:effectRef>
+          <a:fontRef idx="minor">
+            <a:schemeClr val="tx1"/>
+          </a:fontRef>
+        </p:style>
+      </p:cxnSp>
+      <p:cxnSp>
+        <p:nvCxnSpPr>
+          <p:cNvPr id="28" name="Conector recto de flecha 27">
+            <a:extLst>
+              <a:ext uri="{FF2B5EF4-FFF2-40B4-BE49-F238E27FC236}">
+                <a16:creationId xmlns:a16="http://schemas.microsoft.com/office/drawing/2014/main" id="{24BD5A81-85F3-4E82-9650-DE97A928F6DE}"/>
+              </a:ext>
+            </a:extLst>
+          </p:cNvPr>
+          <p:cNvCxnSpPr/>
+          <p:nvPr/>
+        </p:nvCxnSpPr>
+        <p:spPr>
+          <a:xfrm>
+            <a:off x="8079252" y="2783578"/>
+            <a:ext cx="131063" cy="276090"/>
+          </a:xfrm>
+          <a:prstGeom prst="straightConnector1">
+            <a:avLst/>
+          </a:prstGeom>
+          <a:ln>
+            <a:tailEnd type="triangle"/>
+          </a:ln>
+        </p:spPr>
+        <p:style>
+          <a:lnRef idx="1">
+            <a:schemeClr val="accent1"/>
+          </a:lnRef>
+          <a:fillRef idx="0">
+            <a:schemeClr val="accent1"/>
+          </a:fillRef>
+          <a:effectRef idx="0">
+            <a:schemeClr val="accent1"/>
+          </a:effectRef>
+          <a:fontRef idx="minor">
+            <a:schemeClr val="tx1"/>
+          </a:fontRef>
+        </p:style>
+      </p:cxnSp>
+    </p:spTree>
+    <p:extLst>
+      <p:ext uri="{BB962C8B-B14F-4D97-AF65-F5344CB8AC3E}">
+        <p14:creationId xmlns:p14="http://schemas.microsoft.com/office/powerpoint/2010/main" val="1901835619"/>
+      </p:ext>
+    </p:extLst>
+  </p:cSld>
+  <p:clrMapOvr>
+    <a:masterClrMapping/>
+  </p:clrMapOvr>
+</p:sld>
+</file>
+
 <file path=ppt/slides/slide2.xml><?xml version="1.0" encoding="utf-8"?>
 <p:sld xmlns:a="http://schemas.openxmlformats.org/drawingml/2006/main" xmlns:r="http://schemas.openxmlformats.org/officeDocument/2006/relationships" xmlns:p="http://schemas.openxmlformats.org/presentationml/2006/main">
   <p:cSld>
@@ -6274,6 +7620,85 @@
           </a:prstGeom>
         </p:spPr>
       </p:pic>
+      <p:cxnSp>
+        <p:nvCxnSpPr>
+          <p:cNvPr id="9" name="Conector de seta reta 2">
+            <a:extLst>
+              <a:ext uri="{FF2B5EF4-FFF2-40B4-BE49-F238E27FC236}">
+                <a16:creationId xmlns:a16="http://schemas.microsoft.com/office/drawing/2014/main" id="{54828297-08E2-4282-80A3-57140E9DC071}"/>
+              </a:ext>
+            </a:extLst>
+          </p:cNvPr>
+          <p:cNvCxnSpPr>
+            <a:cxnSpLocks/>
+          </p:cNvCxnSpPr>
+          <p:nvPr/>
+        </p:nvCxnSpPr>
+        <p:spPr>
+          <a:xfrm flipV="1">
+            <a:off x="5613991" y="2451854"/>
+            <a:ext cx="384404" cy="1463866"/>
+          </a:xfrm>
+          <a:prstGeom prst="straightConnector1">
+            <a:avLst/>
+          </a:prstGeom>
+          <a:ln>
+            <a:solidFill>
+              <a:srgbClr val="FF0000"/>
+            </a:solidFill>
+            <a:tailEnd type="triangle"/>
+          </a:ln>
+        </p:spPr>
+        <p:style>
+          <a:lnRef idx="1">
+            <a:schemeClr val="accent1"/>
+          </a:lnRef>
+          <a:fillRef idx="0">
+            <a:schemeClr val="accent1"/>
+          </a:fillRef>
+          <a:effectRef idx="0">
+            <a:schemeClr val="accent1"/>
+          </a:effectRef>
+          <a:fontRef idx="minor">
+            <a:schemeClr val="tx1"/>
+          </a:fontRef>
+        </p:style>
+      </p:cxnSp>
+      <p:sp>
+        <p:nvSpPr>
+          <p:cNvPr id="12" name="CaixaDeTexto 37">
+            <a:extLst>
+              <a:ext uri="{FF2B5EF4-FFF2-40B4-BE49-F238E27FC236}">
+                <a16:creationId xmlns:a16="http://schemas.microsoft.com/office/drawing/2014/main" id="{9F00159B-BA6C-4EC2-8455-7BF5C86A97CA}"/>
+              </a:ext>
+            </a:extLst>
+          </p:cNvPr>
+          <p:cNvSpPr txBox="1"/>
+          <p:nvPr/>
+        </p:nvSpPr>
+        <p:spPr>
+          <a:xfrm>
+            <a:off x="6008603" y="2223792"/>
+            <a:ext cx="301686" cy="369332"/>
+          </a:xfrm>
+          <a:prstGeom prst="rect">
+            <a:avLst/>
+          </a:prstGeom>
+          <a:noFill/>
+        </p:spPr>
+        <p:txBody>
+          <a:bodyPr wrap="square" rtlCol="0">
+            <a:spAutoFit/>
+          </a:bodyPr>
+          <a:lstStyle/>
+          <a:p>
+            <a:r>
+              <a:rPr lang="es-CO" dirty="0"/>
+              <a:t>0</a:t>
+            </a:r>
+          </a:p>
+        </p:txBody>
+      </p:sp>
     </p:spTree>
     <p:extLst>
       <p:ext uri="{BB962C8B-B14F-4D97-AF65-F5344CB8AC3E}">
@@ -6395,7 +7820,7 @@
                             </p:stCondLst>
                             <p:childTnLst>
                               <p:par>
-                                <p:cTn id="13" presetID="1" presetClass="entr" presetSubtype="0" fill="hold" nodeType="clickEffect">
+                                <p:cTn id="13" presetID="10" presetClass="entr" presetSubtype="0" fill="hold" grpId="0" nodeType="clickEffect">
                                   <p:stCondLst>
                                     <p:cond delay="0"/>
                                   </p:stCondLst>
@@ -6403,6 +7828,94 @@
                                     <p:set>
                                       <p:cBhvr>
                                         <p:cTn id="14" dur="1" fill="hold">
+                                          <p:stCondLst>
+                                            <p:cond delay="0"/>
+                                          </p:stCondLst>
+                                        </p:cTn>
+                                        <p:tgtEl>
+                                          <p:spTgt spid="12"/>
+                                        </p:tgtEl>
+                                        <p:attrNameLst>
+                                          <p:attrName>style.visibility</p:attrName>
+                                        </p:attrNameLst>
+                                      </p:cBhvr>
+                                      <p:to>
+                                        <p:strVal val="visible"/>
+                                      </p:to>
+                                    </p:set>
+                                    <p:animEffect transition="in" filter="fade">
+                                      <p:cBhvr>
+                                        <p:cTn id="15" dur="500"/>
+                                        <p:tgtEl>
+                                          <p:spTgt spid="12"/>
+                                        </p:tgtEl>
+                                      </p:cBhvr>
+                                    </p:animEffect>
+                                  </p:childTnLst>
+                                </p:cTn>
+                              </p:par>
+                              <p:par>
+                                <p:cTn id="16" presetID="10" presetClass="entr" presetSubtype="0" fill="hold" nodeType="withEffect">
+                                  <p:stCondLst>
+                                    <p:cond delay="0"/>
+                                  </p:stCondLst>
+                                  <p:childTnLst>
+                                    <p:set>
+                                      <p:cBhvr>
+                                        <p:cTn id="17" dur="1" fill="hold">
+                                          <p:stCondLst>
+                                            <p:cond delay="0"/>
+                                          </p:stCondLst>
+                                        </p:cTn>
+                                        <p:tgtEl>
+                                          <p:spTgt spid="9"/>
+                                        </p:tgtEl>
+                                        <p:attrNameLst>
+                                          <p:attrName>style.visibility</p:attrName>
+                                        </p:attrNameLst>
+                                      </p:cBhvr>
+                                      <p:to>
+                                        <p:strVal val="visible"/>
+                                      </p:to>
+                                    </p:set>
+                                    <p:animEffect transition="in" filter="fade">
+                                      <p:cBhvr>
+                                        <p:cTn id="18" dur="500"/>
+                                        <p:tgtEl>
+                                          <p:spTgt spid="9"/>
+                                        </p:tgtEl>
+                                      </p:cBhvr>
+                                    </p:animEffect>
+                                  </p:childTnLst>
+                                </p:cTn>
+                              </p:par>
+                            </p:childTnLst>
+                          </p:cTn>
+                        </p:par>
+                      </p:childTnLst>
+                    </p:cTn>
+                  </p:par>
+                  <p:par>
+                    <p:cTn id="19" fill="hold">
+                      <p:stCondLst>
+                        <p:cond delay="indefinite"/>
+                      </p:stCondLst>
+                      <p:childTnLst>
+                        <p:par>
+                          <p:cTn id="20" fill="hold">
+                            <p:stCondLst>
+                              <p:cond delay="0"/>
+                            </p:stCondLst>
+                            <p:childTnLst>
+                              <p:par>
+                                <p:cTn id="21" presetID="1" presetClass="entr" presetSubtype="0" fill="hold" nodeType="clickEffect">
+                                  <p:stCondLst>
+                                    <p:cond delay="0"/>
+                                  </p:stCondLst>
+                                  <p:childTnLst>
+                                    <p:set>
+                                      <p:cBhvr>
+                                        <p:cTn id="22" dur="1" fill="hold">
                                           <p:stCondLst>
                                             <p:cond delay="0"/>
                                           </p:stCondLst>
@@ -6428,26 +7941,26 @@
                     </p:cTn>
                   </p:par>
                   <p:par>
-                    <p:cTn id="15" fill="hold">
+                    <p:cTn id="23" fill="hold">
                       <p:stCondLst>
                         <p:cond delay="indefinite"/>
                       </p:stCondLst>
                       <p:childTnLst>
                         <p:par>
-                          <p:cTn id="16" fill="hold">
+                          <p:cTn id="24" fill="hold">
                             <p:stCondLst>
                               <p:cond delay="0"/>
                             </p:stCondLst>
                             <p:childTnLst>
                               <p:par>
-                                <p:cTn id="17" presetID="1" presetClass="entr" presetSubtype="0" fill="hold" nodeType="clickEffect">
+                                <p:cTn id="25" presetID="1" presetClass="entr" presetSubtype="0" fill="hold" nodeType="clickEffect">
                                   <p:stCondLst>
                                     <p:cond delay="0"/>
                                   </p:stCondLst>
                                   <p:childTnLst>
                                     <p:set>
                                       <p:cBhvr>
-                                        <p:cTn id="18" dur="1" fill="hold">
+                                        <p:cTn id="26" dur="1" fill="hold">
                                           <p:stCondLst>
                                             <p:cond delay="0"/>
                                           </p:stCondLst>
@@ -6495,12 +8008,782 @@
     </p:tnLst>
     <p:bldLst>
       <p:bldP spid="5" grpId="0"/>
+      <p:bldP spid="12" grpId="0"/>
     </p:bldLst>
   </p:timing>
 </p:sld>
 </file>
 
 <file path=ppt/slides/slide7.xml><?xml version="1.0" encoding="utf-8"?>
+<p:sld xmlns:a="http://schemas.openxmlformats.org/drawingml/2006/main" xmlns:r="http://schemas.openxmlformats.org/officeDocument/2006/relationships" xmlns:p="http://schemas.openxmlformats.org/presentationml/2006/main">
+  <p:cSld>
+    <p:spTree>
+      <p:nvGrpSpPr>
+        <p:cNvPr id="1" name=""/>
+        <p:cNvGrpSpPr/>
+        <p:nvPr/>
+      </p:nvGrpSpPr>
+      <p:grpSpPr>
+        <a:xfrm>
+          <a:off x="0" y="0"/>
+          <a:ext cx="0" cy="0"/>
+          <a:chOff x="0" y="0"/>
+          <a:chExt cx="0" cy="0"/>
+        </a:xfrm>
+      </p:grpSpPr>
+      <p:sp>
+        <p:nvSpPr>
+          <p:cNvPr id="2" name="Título 1">
+            <a:extLst>
+              <a:ext uri="{FF2B5EF4-FFF2-40B4-BE49-F238E27FC236}">
+                <a16:creationId xmlns:a16="http://schemas.microsoft.com/office/drawing/2014/main" id="{041612F2-10AB-4048-8F28-17ADD4FD9641}"/>
+              </a:ext>
+            </a:extLst>
+          </p:cNvPr>
+          <p:cNvSpPr>
+            <a:spLocks noGrp="1"/>
+          </p:cNvSpPr>
+          <p:nvPr>
+            <p:ph type="title"/>
+          </p:nvPr>
+        </p:nvSpPr>
+        <p:spPr/>
+        <p:txBody>
+          <a:bodyPr/>
+          <a:lstStyle/>
+          <a:p>
+            <a:r>
+              <a:rPr lang="pt-BR" b="1" dirty="0">
+                <a:solidFill>
+                  <a:srgbClr val="FF0000"/>
+                </a:solidFill>
+              </a:rPr>
+              <a:t>Solução de Equações Não Lineares</a:t>
+            </a:r>
+          </a:p>
+        </p:txBody>
+      </p:sp>
+      <p:sp>
+        <p:nvSpPr>
+          <p:cNvPr id="3" name="Marcador de contenido 2">
+            <a:extLst>
+              <a:ext uri="{FF2B5EF4-FFF2-40B4-BE49-F238E27FC236}">
+                <a16:creationId xmlns:a16="http://schemas.microsoft.com/office/drawing/2014/main" id="{FA6BC815-81A9-47BB-9085-8FDEEA9AC82C}"/>
+              </a:ext>
+            </a:extLst>
+          </p:cNvPr>
+          <p:cNvSpPr>
+            <a:spLocks noGrp="1"/>
+          </p:cNvSpPr>
+          <p:nvPr>
+            <p:ph idx="1"/>
+          </p:nvPr>
+        </p:nvSpPr>
+        <p:spPr/>
+        <p:txBody>
+          <a:bodyPr/>
+          <a:lstStyle/>
+          <a:p>
+            <a:r>
+              <a:rPr lang="pt-BR" dirty="0"/>
+              <a:t>Solucionar um sistema não linear do tipo  </a:t>
+            </a:r>
+            <a:r>
+              <a:rPr lang="pt-BR" b="1" dirty="0"/>
+              <a:t>F(x)=0</a:t>
+            </a:r>
+          </a:p>
+          <a:p>
+            <a:r>
+              <a:rPr lang="pt-BR" b="1" dirty="0" err="1"/>
+              <a:t>Sintaxis</a:t>
+            </a:r>
+            <a:endParaRPr lang="pt-BR" b="1" dirty="0"/>
+          </a:p>
+          <a:p>
+            <a:r>
+              <a:rPr lang="en-US" dirty="0"/>
+              <a:t>x = </a:t>
+            </a:r>
+            <a:r>
+              <a:rPr lang="en-US" dirty="0" err="1"/>
+              <a:t>fsolve</a:t>
+            </a:r>
+            <a:r>
+              <a:rPr lang="en-US" dirty="0"/>
+              <a:t>(@(x)myfun,x0)</a:t>
+            </a:r>
+            <a:endParaRPr lang="pt-BR" dirty="0"/>
+          </a:p>
+        </p:txBody>
+      </p:sp>
+      <p:sp>
+        <p:nvSpPr>
+          <p:cNvPr id="4" name="Marcador de pie de página 3">
+            <a:extLst>
+              <a:ext uri="{FF2B5EF4-FFF2-40B4-BE49-F238E27FC236}">
+                <a16:creationId xmlns:a16="http://schemas.microsoft.com/office/drawing/2014/main" id="{9AD78584-CFBB-4B7C-A940-4918FC8A1FFC}"/>
+              </a:ext>
+            </a:extLst>
+          </p:cNvPr>
+          <p:cNvSpPr>
+            <a:spLocks noGrp="1"/>
+          </p:cNvSpPr>
+          <p:nvPr>
+            <p:ph type="ftr" sz="quarter" idx="11"/>
+          </p:nvPr>
+        </p:nvSpPr>
+        <p:spPr/>
+        <p:txBody>
+          <a:bodyPr/>
+          <a:lstStyle/>
+          <a:p>
+            <a:r>
+              <a:rPr lang="es-ES"/>
+              <a:t>Sergio andres castaño giraldo – control automático educación</a:t>
+            </a:r>
+            <a:endParaRPr lang="es-419"/>
+          </a:p>
+        </p:txBody>
+      </p:sp>
+      <p:sp>
+        <p:nvSpPr>
+          <p:cNvPr id="6" name="Rectángulo 5">
+            <a:extLst>
+              <a:ext uri="{FF2B5EF4-FFF2-40B4-BE49-F238E27FC236}">
+                <a16:creationId xmlns:a16="http://schemas.microsoft.com/office/drawing/2014/main" id="{EBFD5A73-92C1-4C1F-AF45-B235811B0450}"/>
+              </a:ext>
+            </a:extLst>
+          </p:cNvPr>
+          <p:cNvSpPr/>
+          <p:nvPr/>
+        </p:nvSpPr>
+        <p:spPr>
+          <a:xfrm>
+            <a:off x="1036320" y="3429000"/>
+            <a:ext cx="7558479" cy="461665"/>
+          </a:xfrm>
+          <a:prstGeom prst="rect">
+            <a:avLst/>
+          </a:prstGeom>
+        </p:spPr>
+        <p:txBody>
+          <a:bodyPr wrap="none">
+            <a:spAutoFit/>
+          </a:bodyPr>
+          <a:lstStyle/>
+          <a:p>
+            <a:r>
+              <a:rPr lang="pt-BR" sz="2400" dirty="0">
+                <a:solidFill>
+                  <a:srgbClr val="000000"/>
+                </a:solidFill>
+                <a:latin typeface="Courier New" panose="02070309020205020404" pitchFamily="49" charset="0"/>
+              </a:rPr>
+              <a:t>X = </a:t>
+            </a:r>
+            <a:r>
+              <a:rPr lang="pt-BR" sz="2400" dirty="0" err="1">
+                <a:solidFill>
+                  <a:srgbClr val="000000"/>
+                </a:solidFill>
+                <a:latin typeface="Courier New" panose="02070309020205020404" pitchFamily="49" charset="0"/>
+              </a:rPr>
+              <a:t>fsolve</a:t>
+            </a:r>
+            <a:r>
+              <a:rPr lang="pt-BR" sz="2400" dirty="0">
+                <a:solidFill>
+                  <a:srgbClr val="000000"/>
+                </a:solidFill>
+                <a:latin typeface="Courier New" panose="02070309020205020404" pitchFamily="49" charset="0"/>
+              </a:rPr>
+              <a:t>(@(x)</a:t>
+            </a:r>
+            <a:r>
+              <a:rPr lang="pt-BR" sz="2400" dirty="0" err="1">
+                <a:solidFill>
+                  <a:srgbClr val="000000"/>
+                </a:solidFill>
+                <a:latin typeface="Courier New" panose="02070309020205020404" pitchFamily="49" charset="0"/>
+              </a:rPr>
+              <a:t>tankmodel</a:t>
+            </a:r>
+            <a:r>
+              <a:rPr lang="pt-BR" sz="2400" dirty="0">
+                <a:solidFill>
+                  <a:srgbClr val="000000"/>
+                </a:solidFill>
+                <a:latin typeface="Courier New" panose="02070309020205020404" pitchFamily="49" charset="0"/>
+              </a:rPr>
+              <a:t>(</a:t>
+            </a:r>
+            <a:r>
+              <a:rPr lang="pt-BR" sz="2400" dirty="0" err="1">
+                <a:solidFill>
+                  <a:srgbClr val="000000"/>
+                </a:solidFill>
+                <a:latin typeface="Courier New" panose="02070309020205020404" pitchFamily="49" charset="0"/>
+              </a:rPr>
+              <a:t>t,x,u,par</a:t>
+            </a:r>
+            <a:r>
+              <a:rPr lang="pt-BR" sz="2400" dirty="0">
+                <a:solidFill>
+                  <a:srgbClr val="000000"/>
+                </a:solidFill>
+                <a:latin typeface="Courier New" panose="02070309020205020404" pitchFamily="49" charset="0"/>
+              </a:rPr>
+              <a:t>),x0);</a:t>
+            </a:r>
+          </a:p>
+        </p:txBody>
+      </p:sp>
+      <p:sp>
+        <p:nvSpPr>
+          <p:cNvPr id="7" name="CuadroTexto 6">
+            <a:extLst>
+              <a:ext uri="{FF2B5EF4-FFF2-40B4-BE49-F238E27FC236}">
+                <a16:creationId xmlns:a16="http://schemas.microsoft.com/office/drawing/2014/main" id="{2536DE10-E8A2-4844-BBD7-42ED742BCE3A}"/>
+              </a:ext>
+            </a:extLst>
+          </p:cNvPr>
+          <p:cNvSpPr txBox="1"/>
+          <p:nvPr/>
+        </p:nvSpPr>
+        <p:spPr>
+          <a:xfrm>
+            <a:off x="8246530" y="4536276"/>
+            <a:ext cx="1654299" cy="369332"/>
+          </a:xfrm>
+          <a:prstGeom prst="rect">
+            <a:avLst/>
+          </a:prstGeom>
+          <a:noFill/>
+        </p:spPr>
+        <p:txBody>
+          <a:bodyPr wrap="none" rtlCol="0">
+            <a:spAutoFit/>
+          </a:bodyPr>
+          <a:lstStyle/>
+          <a:p>
+            <a:r>
+              <a:rPr lang="pt-BR" dirty="0"/>
+              <a:t>Condição Inicial</a:t>
+            </a:r>
+          </a:p>
+        </p:txBody>
+      </p:sp>
+      <p:sp>
+        <p:nvSpPr>
+          <p:cNvPr id="8" name="CuadroTexto 7">
+            <a:extLst>
+              <a:ext uri="{FF2B5EF4-FFF2-40B4-BE49-F238E27FC236}">
+                <a16:creationId xmlns:a16="http://schemas.microsoft.com/office/drawing/2014/main" id="{6B1F89F3-FF79-4897-BE83-524712B34F7E}"/>
+              </a:ext>
+            </a:extLst>
+          </p:cNvPr>
+          <p:cNvSpPr txBox="1"/>
+          <p:nvPr/>
+        </p:nvSpPr>
+        <p:spPr>
+          <a:xfrm>
+            <a:off x="6031905" y="3026317"/>
+            <a:ext cx="819776" cy="369332"/>
+          </a:xfrm>
+          <a:prstGeom prst="rect">
+            <a:avLst/>
+          </a:prstGeom>
+          <a:noFill/>
+        </p:spPr>
+        <p:txBody>
+          <a:bodyPr wrap="none" rtlCol="0">
+            <a:spAutoFit/>
+          </a:bodyPr>
+          <a:lstStyle/>
+          <a:p>
+            <a:r>
+              <a:rPr lang="pt-BR" dirty="0"/>
+              <a:t>Tempo</a:t>
+            </a:r>
+          </a:p>
+        </p:txBody>
+      </p:sp>
+      <p:sp>
+        <p:nvSpPr>
+          <p:cNvPr id="9" name="CuadroTexto 8">
+            <a:extLst>
+              <a:ext uri="{FF2B5EF4-FFF2-40B4-BE49-F238E27FC236}">
+                <a16:creationId xmlns:a16="http://schemas.microsoft.com/office/drawing/2014/main" id="{051FD609-C4D5-44FB-B4BE-3ACDBBEFB4FB}"/>
+              </a:ext>
+            </a:extLst>
+          </p:cNvPr>
+          <p:cNvSpPr txBox="1"/>
+          <p:nvPr/>
+        </p:nvSpPr>
+        <p:spPr>
+          <a:xfrm>
+            <a:off x="4650201" y="4037863"/>
+            <a:ext cx="915635" cy="369332"/>
+          </a:xfrm>
+          <a:prstGeom prst="rect">
+            <a:avLst/>
+          </a:prstGeom>
+          <a:noFill/>
+        </p:spPr>
+        <p:txBody>
+          <a:bodyPr wrap="none" rtlCol="0">
+            <a:spAutoFit/>
+          </a:bodyPr>
+          <a:lstStyle/>
+          <a:p>
+            <a:r>
+              <a:rPr lang="pt-BR" dirty="0"/>
+              <a:t>Modelo</a:t>
+            </a:r>
+          </a:p>
+        </p:txBody>
+      </p:sp>
+      <p:sp>
+        <p:nvSpPr>
+          <p:cNvPr id="10" name="CuadroTexto 9">
+            <a:extLst>
+              <a:ext uri="{FF2B5EF4-FFF2-40B4-BE49-F238E27FC236}">
+                <a16:creationId xmlns:a16="http://schemas.microsoft.com/office/drawing/2014/main" id="{5723F873-1FE9-4F0F-ACCC-84457D5ACC4D}"/>
+              </a:ext>
+            </a:extLst>
+          </p:cNvPr>
+          <p:cNvSpPr txBox="1"/>
+          <p:nvPr/>
+        </p:nvSpPr>
+        <p:spPr>
+          <a:xfrm>
+            <a:off x="5175955" y="4453287"/>
+            <a:ext cx="902235" cy="369332"/>
+          </a:xfrm>
+          <a:prstGeom prst="rect">
+            <a:avLst/>
+          </a:prstGeom>
+          <a:noFill/>
+        </p:spPr>
+        <p:txBody>
+          <a:bodyPr wrap="none" rtlCol="0">
+            <a:spAutoFit/>
+          </a:bodyPr>
+          <a:lstStyle/>
+          <a:p>
+            <a:r>
+              <a:rPr lang="pt-BR" dirty="0"/>
+              <a:t>Estados</a:t>
+            </a:r>
+          </a:p>
+        </p:txBody>
+      </p:sp>
+      <p:sp>
+        <p:nvSpPr>
+          <p:cNvPr id="11" name="CuadroTexto 10">
+            <a:extLst>
+              <a:ext uri="{FF2B5EF4-FFF2-40B4-BE49-F238E27FC236}">
+                <a16:creationId xmlns:a16="http://schemas.microsoft.com/office/drawing/2014/main" id="{9B330A7E-765A-4DFC-9064-A25C402C347B}"/>
+              </a:ext>
+            </a:extLst>
+          </p:cNvPr>
+          <p:cNvSpPr txBox="1"/>
+          <p:nvPr/>
+        </p:nvSpPr>
+        <p:spPr>
+          <a:xfrm>
+            <a:off x="5831079" y="4811820"/>
+            <a:ext cx="1001749" cy="369332"/>
+          </a:xfrm>
+          <a:prstGeom prst="rect">
+            <a:avLst/>
+          </a:prstGeom>
+          <a:noFill/>
+        </p:spPr>
+        <p:txBody>
+          <a:bodyPr wrap="none" rtlCol="0">
+            <a:spAutoFit/>
+          </a:bodyPr>
+          <a:lstStyle/>
+          <a:p>
+            <a:r>
+              <a:rPr lang="pt-BR" dirty="0"/>
+              <a:t>Entradas</a:t>
+            </a:r>
+          </a:p>
+        </p:txBody>
+      </p:sp>
+      <p:sp>
+        <p:nvSpPr>
+          <p:cNvPr id="12" name="CuadroTexto 11">
+            <a:extLst>
+              <a:ext uri="{FF2B5EF4-FFF2-40B4-BE49-F238E27FC236}">
+                <a16:creationId xmlns:a16="http://schemas.microsoft.com/office/drawing/2014/main" id="{FD2A559B-D983-4469-887B-9B12A37FFBD2}"/>
+              </a:ext>
+            </a:extLst>
+          </p:cNvPr>
+          <p:cNvSpPr txBox="1"/>
+          <p:nvPr/>
+        </p:nvSpPr>
+        <p:spPr>
+          <a:xfrm>
+            <a:off x="6507287" y="4416372"/>
+            <a:ext cx="1258486" cy="369332"/>
+          </a:xfrm>
+          <a:prstGeom prst="rect">
+            <a:avLst/>
+          </a:prstGeom>
+          <a:noFill/>
+        </p:spPr>
+        <p:txBody>
+          <a:bodyPr wrap="none" rtlCol="0">
+            <a:spAutoFit/>
+          </a:bodyPr>
+          <a:lstStyle/>
+          <a:p>
+            <a:r>
+              <a:rPr lang="pt-BR" dirty="0"/>
+              <a:t>Parâmetros</a:t>
+            </a:r>
+          </a:p>
+        </p:txBody>
+      </p:sp>
+      <p:sp>
+        <p:nvSpPr>
+          <p:cNvPr id="13" name="CuadroTexto 12">
+            <a:extLst>
+              <a:ext uri="{FF2B5EF4-FFF2-40B4-BE49-F238E27FC236}">
+                <a16:creationId xmlns:a16="http://schemas.microsoft.com/office/drawing/2014/main" id="{16293F37-6E13-4FBC-A02A-F91F8505373E}"/>
+              </a:ext>
+            </a:extLst>
+          </p:cNvPr>
+          <p:cNvSpPr txBox="1"/>
+          <p:nvPr/>
+        </p:nvSpPr>
+        <p:spPr>
+          <a:xfrm>
+            <a:off x="2496075" y="4241492"/>
+            <a:ext cx="936218" cy="369332"/>
+          </a:xfrm>
+          <a:prstGeom prst="rect">
+            <a:avLst/>
+          </a:prstGeom>
+          <a:noFill/>
+        </p:spPr>
+        <p:txBody>
+          <a:bodyPr wrap="none" rtlCol="0">
+            <a:spAutoFit/>
+          </a:bodyPr>
+          <a:lstStyle/>
+          <a:p>
+            <a:r>
+              <a:rPr lang="pt-BR" dirty="0"/>
+              <a:t>Método</a:t>
+            </a:r>
+          </a:p>
+        </p:txBody>
+      </p:sp>
+      <p:cxnSp>
+        <p:nvCxnSpPr>
+          <p:cNvPr id="14" name="Conector recto de flecha 13">
+            <a:extLst>
+              <a:ext uri="{FF2B5EF4-FFF2-40B4-BE49-F238E27FC236}">
+                <a16:creationId xmlns:a16="http://schemas.microsoft.com/office/drawing/2014/main" id="{13FC14D7-0691-494F-9EB0-C729114309EC}"/>
+              </a:ext>
+            </a:extLst>
+          </p:cNvPr>
+          <p:cNvCxnSpPr>
+            <a:cxnSpLocks/>
+            <a:endCxn id="13" idx="0"/>
+          </p:cNvCxnSpPr>
+          <p:nvPr/>
+        </p:nvCxnSpPr>
+        <p:spPr>
+          <a:xfrm>
+            <a:off x="2547137" y="3855014"/>
+            <a:ext cx="417047" cy="386478"/>
+          </a:xfrm>
+          <a:prstGeom prst="straightConnector1">
+            <a:avLst/>
+          </a:prstGeom>
+          <a:ln>
+            <a:tailEnd type="triangle"/>
+          </a:ln>
+        </p:spPr>
+        <p:style>
+          <a:lnRef idx="1">
+            <a:schemeClr val="accent1"/>
+          </a:lnRef>
+          <a:fillRef idx="0">
+            <a:schemeClr val="accent1"/>
+          </a:fillRef>
+          <a:effectRef idx="0">
+            <a:schemeClr val="accent1"/>
+          </a:effectRef>
+          <a:fontRef idx="minor">
+            <a:schemeClr val="tx1"/>
+          </a:fontRef>
+        </p:style>
+      </p:cxnSp>
+      <p:cxnSp>
+        <p:nvCxnSpPr>
+          <p:cNvPr id="15" name="Conector recto de flecha 14">
+            <a:extLst>
+              <a:ext uri="{FF2B5EF4-FFF2-40B4-BE49-F238E27FC236}">
+                <a16:creationId xmlns:a16="http://schemas.microsoft.com/office/drawing/2014/main" id="{C9ED13B0-DD45-4E53-ADC4-FD9649E32D46}"/>
+              </a:ext>
+            </a:extLst>
+          </p:cNvPr>
+          <p:cNvCxnSpPr>
+            <a:endCxn id="9" idx="0"/>
+          </p:cNvCxnSpPr>
+          <p:nvPr/>
+        </p:nvCxnSpPr>
+        <p:spPr>
+          <a:xfrm>
+            <a:off x="5108018" y="3855014"/>
+            <a:ext cx="1" cy="182849"/>
+          </a:xfrm>
+          <a:prstGeom prst="straightConnector1">
+            <a:avLst/>
+          </a:prstGeom>
+          <a:ln>
+            <a:tailEnd type="triangle"/>
+          </a:ln>
+        </p:spPr>
+        <p:style>
+          <a:lnRef idx="1">
+            <a:schemeClr val="accent1"/>
+          </a:lnRef>
+          <a:fillRef idx="0">
+            <a:schemeClr val="accent1"/>
+          </a:fillRef>
+          <a:effectRef idx="0">
+            <a:schemeClr val="accent1"/>
+          </a:effectRef>
+          <a:fontRef idx="minor">
+            <a:schemeClr val="tx1"/>
+          </a:fontRef>
+        </p:style>
+      </p:cxnSp>
+      <p:cxnSp>
+        <p:nvCxnSpPr>
+          <p:cNvPr id="16" name="Conector recto de flecha 15">
+            <a:extLst>
+              <a:ext uri="{FF2B5EF4-FFF2-40B4-BE49-F238E27FC236}">
+                <a16:creationId xmlns:a16="http://schemas.microsoft.com/office/drawing/2014/main" id="{6FAC7C33-2ACF-4E64-8503-5C29B6BA47A3}"/>
+              </a:ext>
+            </a:extLst>
+          </p:cNvPr>
+          <p:cNvCxnSpPr/>
+          <p:nvPr/>
+        </p:nvCxnSpPr>
+        <p:spPr>
+          <a:xfrm flipH="1">
+            <a:off x="5791864" y="3761773"/>
+            <a:ext cx="429112" cy="636245"/>
+          </a:xfrm>
+          <a:prstGeom prst="straightConnector1">
+            <a:avLst/>
+          </a:prstGeom>
+          <a:ln>
+            <a:tailEnd type="triangle"/>
+          </a:ln>
+        </p:spPr>
+        <p:style>
+          <a:lnRef idx="1">
+            <a:schemeClr val="accent1"/>
+          </a:lnRef>
+          <a:fillRef idx="0">
+            <a:schemeClr val="accent1"/>
+          </a:fillRef>
+          <a:effectRef idx="0">
+            <a:schemeClr val="accent1"/>
+          </a:effectRef>
+          <a:fontRef idx="minor">
+            <a:schemeClr val="tx1"/>
+          </a:fontRef>
+        </p:style>
+      </p:cxnSp>
+      <p:cxnSp>
+        <p:nvCxnSpPr>
+          <p:cNvPr id="17" name="Conector recto de flecha 16">
+            <a:extLst>
+              <a:ext uri="{FF2B5EF4-FFF2-40B4-BE49-F238E27FC236}">
+                <a16:creationId xmlns:a16="http://schemas.microsoft.com/office/drawing/2014/main" id="{F40E3A62-34FB-4E49-8308-A2B8268BECD0}"/>
+              </a:ext>
+            </a:extLst>
+          </p:cNvPr>
+          <p:cNvCxnSpPr>
+            <a:endCxn id="11" idx="0"/>
+          </p:cNvCxnSpPr>
+          <p:nvPr/>
+        </p:nvCxnSpPr>
+        <p:spPr>
+          <a:xfrm flipH="1">
+            <a:off x="6331954" y="3817571"/>
+            <a:ext cx="174716" cy="994249"/>
+          </a:xfrm>
+          <a:prstGeom prst="straightConnector1">
+            <a:avLst/>
+          </a:prstGeom>
+          <a:ln>
+            <a:tailEnd type="triangle"/>
+          </a:ln>
+        </p:spPr>
+        <p:style>
+          <a:lnRef idx="1">
+            <a:schemeClr val="accent1"/>
+          </a:lnRef>
+          <a:fillRef idx="0">
+            <a:schemeClr val="accent1"/>
+          </a:fillRef>
+          <a:effectRef idx="0">
+            <a:schemeClr val="accent1"/>
+          </a:effectRef>
+          <a:fontRef idx="minor">
+            <a:schemeClr val="tx1"/>
+          </a:fontRef>
+        </p:style>
+      </p:cxnSp>
+      <p:cxnSp>
+        <p:nvCxnSpPr>
+          <p:cNvPr id="18" name="Conector recto de flecha 17">
+            <a:extLst>
+              <a:ext uri="{FF2B5EF4-FFF2-40B4-BE49-F238E27FC236}">
+                <a16:creationId xmlns:a16="http://schemas.microsoft.com/office/drawing/2014/main" id="{82B5A3CB-2DC4-4366-96C0-2E8D336C19C9}"/>
+              </a:ext>
+            </a:extLst>
+          </p:cNvPr>
+          <p:cNvCxnSpPr>
+            <a:endCxn id="12" idx="0"/>
+          </p:cNvCxnSpPr>
+          <p:nvPr/>
+        </p:nvCxnSpPr>
+        <p:spPr>
+          <a:xfrm>
+            <a:off x="6851681" y="3761773"/>
+            <a:ext cx="284849" cy="654599"/>
+          </a:xfrm>
+          <a:prstGeom prst="straightConnector1">
+            <a:avLst/>
+          </a:prstGeom>
+          <a:ln>
+            <a:tailEnd type="triangle"/>
+          </a:ln>
+        </p:spPr>
+        <p:style>
+          <a:lnRef idx="1">
+            <a:schemeClr val="accent1"/>
+          </a:lnRef>
+          <a:fillRef idx="0">
+            <a:schemeClr val="accent1"/>
+          </a:fillRef>
+          <a:effectRef idx="0">
+            <a:schemeClr val="accent1"/>
+          </a:effectRef>
+          <a:fontRef idx="minor">
+            <a:schemeClr val="tx1"/>
+          </a:fontRef>
+        </p:style>
+      </p:cxnSp>
+      <p:cxnSp>
+        <p:nvCxnSpPr>
+          <p:cNvPr id="19" name="Conector recto de flecha 18">
+            <a:extLst>
+              <a:ext uri="{FF2B5EF4-FFF2-40B4-BE49-F238E27FC236}">
+                <a16:creationId xmlns:a16="http://schemas.microsoft.com/office/drawing/2014/main" id="{B7C6D930-FE93-4C4D-9420-C716EB3D0A80}"/>
+              </a:ext>
+            </a:extLst>
+          </p:cNvPr>
+          <p:cNvCxnSpPr>
+            <a:cxnSpLocks/>
+          </p:cNvCxnSpPr>
+          <p:nvPr/>
+        </p:nvCxnSpPr>
+        <p:spPr>
+          <a:xfrm>
+            <a:off x="7882767" y="3750331"/>
+            <a:ext cx="657099" cy="843291"/>
+          </a:xfrm>
+          <a:prstGeom prst="straightConnector1">
+            <a:avLst/>
+          </a:prstGeom>
+          <a:ln>
+            <a:tailEnd type="triangle"/>
+          </a:ln>
+        </p:spPr>
+        <p:style>
+          <a:lnRef idx="1">
+            <a:schemeClr val="accent1"/>
+          </a:lnRef>
+          <a:fillRef idx="0">
+            <a:schemeClr val="accent1"/>
+          </a:fillRef>
+          <a:effectRef idx="0">
+            <a:schemeClr val="accent1"/>
+          </a:effectRef>
+          <a:fontRef idx="minor">
+            <a:schemeClr val="tx1"/>
+          </a:fontRef>
+        </p:style>
+      </p:cxnSp>
+      <p:cxnSp>
+        <p:nvCxnSpPr>
+          <p:cNvPr id="20" name="Conector recto de flecha 19">
+            <a:extLst>
+              <a:ext uri="{FF2B5EF4-FFF2-40B4-BE49-F238E27FC236}">
+                <a16:creationId xmlns:a16="http://schemas.microsoft.com/office/drawing/2014/main" id="{1994F844-A076-4B49-B8B0-D61A5A000BDD}"/>
+              </a:ext>
+            </a:extLst>
+          </p:cNvPr>
+          <p:cNvCxnSpPr>
+            <a:cxnSpLocks/>
+          </p:cNvCxnSpPr>
+          <p:nvPr/>
+        </p:nvCxnSpPr>
+        <p:spPr>
+          <a:xfrm flipV="1">
+            <a:off x="5831079" y="3281802"/>
+            <a:ext cx="264921" cy="328869"/>
+          </a:xfrm>
+          <a:prstGeom prst="straightConnector1">
+            <a:avLst/>
+          </a:prstGeom>
+          <a:ln>
+            <a:tailEnd type="triangle"/>
+          </a:ln>
+        </p:spPr>
+        <p:style>
+          <a:lnRef idx="1">
+            <a:schemeClr val="accent1"/>
+          </a:lnRef>
+          <a:fillRef idx="0">
+            <a:schemeClr val="accent1"/>
+          </a:fillRef>
+          <a:effectRef idx="0">
+            <a:schemeClr val="accent1"/>
+          </a:effectRef>
+          <a:fontRef idx="minor">
+            <a:schemeClr val="tx1"/>
+          </a:fontRef>
+        </p:style>
+      </p:cxnSp>
+    </p:spTree>
+    <p:extLst>
+      <p:ext uri="{BB962C8B-B14F-4D97-AF65-F5344CB8AC3E}">
+        <p14:creationId xmlns:p14="http://schemas.microsoft.com/office/powerpoint/2010/main" val="2962778789"/>
+      </p:ext>
+    </p:extLst>
+  </p:cSld>
+  <p:clrMapOvr>
+    <a:masterClrMapping/>
+  </p:clrMapOvr>
+</p:sld>
+</file>
+
+<file path=ppt/slides/slide8.xml><?xml version="1.0" encoding="utf-8"?>
 <p:sld xmlns:a="http://schemas.openxmlformats.org/drawingml/2006/main" xmlns:r="http://schemas.openxmlformats.org/officeDocument/2006/relationships" xmlns:p="http://schemas.openxmlformats.org/presentationml/2006/main">
   <p:cSld>
     <p:spTree>
@@ -6913,7 +9196,7 @@
 </p:sld>
 </file>
 
-<file path=ppt/slides/slide8.xml><?xml version="1.0" encoding="utf-8"?>
+<file path=ppt/slides/slide9.xml><?xml version="1.0" encoding="utf-8"?>
 <p:sld xmlns:a="http://schemas.openxmlformats.org/drawingml/2006/main" xmlns:r="http://schemas.openxmlformats.org/officeDocument/2006/relationships" xmlns:p="http://schemas.openxmlformats.org/presentationml/2006/main">
   <p:cSld>
     <p:spTree>
@@ -7336,387 +9619,6 @@
                                         </p:cTn>
                                         <p:tgtEl>
                                           <p:spTgt spid="17"/>
-                                        </p:tgtEl>
-                                        <p:attrNameLst>
-                                          <p:attrName>style.visibility</p:attrName>
-                                        </p:attrNameLst>
-                                      </p:cBhvr>
-                                      <p:to>
-                                        <p:strVal val="visible"/>
-                                      </p:to>
-                                    </p:set>
-                                  </p:childTnLst>
-                                </p:cTn>
-                              </p:par>
-                            </p:childTnLst>
-                          </p:cTn>
-                        </p:par>
-                      </p:childTnLst>
-                    </p:cTn>
-                  </p:par>
-                </p:childTnLst>
-              </p:cTn>
-              <p:prevCondLst>
-                <p:cond evt="onPrev" delay="0">
-                  <p:tgtEl>
-                    <p:sldTgt/>
-                  </p:tgtEl>
-                </p:cond>
-              </p:prevCondLst>
-              <p:nextCondLst>
-                <p:cond evt="onNext" delay="0">
-                  <p:tgtEl>
-                    <p:sldTgt/>
-                  </p:tgtEl>
-                </p:cond>
-              </p:nextCondLst>
-            </p:seq>
-          </p:childTnLst>
-        </p:cTn>
-      </p:par>
-    </p:tnLst>
-  </p:timing>
-</p:sld>
-</file>
-
-<file path=ppt/slides/slide9.xml><?xml version="1.0" encoding="utf-8"?>
-<p:sld xmlns:a="http://schemas.openxmlformats.org/drawingml/2006/main" xmlns:r="http://schemas.openxmlformats.org/officeDocument/2006/relationships" xmlns:p="http://schemas.openxmlformats.org/presentationml/2006/main">
-  <p:cSld>
-    <p:spTree>
-      <p:nvGrpSpPr>
-        <p:cNvPr id="1" name=""/>
-        <p:cNvGrpSpPr/>
-        <p:nvPr/>
-      </p:nvGrpSpPr>
-      <p:grpSpPr>
-        <a:xfrm>
-          <a:off x="0" y="0"/>
-          <a:ext cx="0" cy="0"/>
-          <a:chOff x="0" y="0"/>
-          <a:chExt cx="0" cy="0"/>
-        </a:xfrm>
-      </p:grpSpPr>
-      <p:sp>
-        <p:nvSpPr>
-          <p:cNvPr id="2" name="Título 1">
-            <a:extLst>
-              <a:ext uri="{FF2B5EF4-FFF2-40B4-BE49-F238E27FC236}">
-                <a16:creationId xmlns:a16="http://schemas.microsoft.com/office/drawing/2014/main" id="{9C8401D3-14C3-4DBC-B550-8D6370C0759F}"/>
-              </a:ext>
-            </a:extLst>
-          </p:cNvPr>
-          <p:cNvSpPr>
-            <a:spLocks noGrp="1"/>
-          </p:cNvSpPr>
-          <p:nvPr>
-            <p:ph type="title"/>
-          </p:nvPr>
-        </p:nvSpPr>
-        <p:spPr/>
-        <p:txBody>
-          <a:bodyPr/>
-          <a:lstStyle/>
-          <a:p>
-            <a:r>
-              <a:rPr lang="en-US" b="1" dirty="0">
-                <a:solidFill>
-                  <a:srgbClr val="FF0000"/>
-                </a:solidFill>
-              </a:rPr>
-              <a:t>Two Coupled Nonlinear Spherical Tanks</a:t>
-            </a:r>
-            <a:endParaRPr lang="pt-BR" b="1" dirty="0">
-              <a:solidFill>
-                <a:srgbClr val="FF0000"/>
-              </a:solidFill>
-            </a:endParaRPr>
-          </a:p>
-        </p:txBody>
-      </p:sp>
-      <p:sp>
-        <p:nvSpPr>
-          <p:cNvPr id="4" name="Espaço Reservado para Rodapé 3">
-            <a:extLst>
-              <a:ext uri="{FF2B5EF4-FFF2-40B4-BE49-F238E27FC236}">
-                <a16:creationId xmlns:a16="http://schemas.microsoft.com/office/drawing/2014/main" id="{96C14B57-0376-4F9D-95AE-1BCE92596E1D}"/>
-              </a:ext>
-            </a:extLst>
-          </p:cNvPr>
-          <p:cNvSpPr>
-            <a:spLocks noGrp="1"/>
-          </p:cNvSpPr>
-          <p:nvPr>
-            <p:ph type="ftr" sz="quarter" idx="11"/>
-          </p:nvPr>
-        </p:nvSpPr>
-        <p:spPr/>
-        <p:txBody>
-          <a:bodyPr/>
-          <a:lstStyle/>
-          <a:p>
-            <a:r>
-              <a:rPr lang="es-ES"/>
-              <a:t>CONTROL AUTOMÁTICO EDUCACIÓN-  Sergio Andres Castaño Giraldo</a:t>
-            </a:r>
-            <a:endParaRPr lang="es-419"/>
-          </a:p>
-        </p:txBody>
-      </p:sp>
-      <p:pic>
-        <p:nvPicPr>
-          <p:cNvPr id="5" name="Imagen 4">
-            <a:extLst>
-              <a:ext uri="{FF2B5EF4-FFF2-40B4-BE49-F238E27FC236}">
-                <a16:creationId xmlns:a16="http://schemas.microsoft.com/office/drawing/2014/main" id="{8879DBD9-61B8-4287-9FD5-3730A766E883}"/>
-              </a:ext>
-            </a:extLst>
-          </p:cNvPr>
-          <p:cNvPicPr>
-            <a:picLocks noChangeAspect="1"/>
-          </p:cNvPicPr>
-          <p:nvPr>
-            <p:custDataLst>
-              <p:tags r:id="rId1"/>
-            </p:custDataLst>
-          </p:nvPr>
-        </p:nvPicPr>
-        <p:blipFill>
-          <a:blip r:embed="rId5">
-            <a:extLst>
-              <a:ext uri="{28A0092B-C50C-407E-A947-70E740481C1C}">
-                <a14:useLocalDpi xmlns:a14="http://schemas.microsoft.com/office/drawing/2010/main" val="0"/>
-              </a:ext>
-            </a:extLst>
-          </a:blip>
-          <a:stretch>
-            <a:fillRect/>
-          </a:stretch>
-        </p:blipFill>
-        <p:spPr>
-          <a:xfrm>
-            <a:off x="1254597" y="2105284"/>
-            <a:ext cx="2505143" cy="592762"/>
-          </a:xfrm>
-          <a:prstGeom prst="rect">
-            <a:avLst/>
-          </a:prstGeom>
-        </p:spPr>
-      </p:pic>
-      <p:pic>
-        <p:nvPicPr>
-          <p:cNvPr id="7" name="Imagen 6">
-            <a:extLst>
-              <a:ext uri="{FF2B5EF4-FFF2-40B4-BE49-F238E27FC236}">
-                <a16:creationId xmlns:a16="http://schemas.microsoft.com/office/drawing/2014/main" id="{CC02DF8C-1717-4E74-89DA-04A7C09B072A}"/>
-              </a:ext>
-            </a:extLst>
-          </p:cNvPr>
-          <p:cNvPicPr>
-            <a:picLocks noChangeAspect="1"/>
-          </p:cNvPicPr>
-          <p:nvPr>
-            <p:custDataLst>
-              <p:tags r:id="rId2"/>
-            </p:custDataLst>
-          </p:nvPr>
-        </p:nvPicPr>
-        <p:blipFill>
-          <a:blip r:embed="rId6">
-            <a:extLst>
-              <a:ext uri="{28A0092B-C50C-407E-A947-70E740481C1C}">
-                <a14:useLocalDpi xmlns:a14="http://schemas.microsoft.com/office/drawing/2010/main" val="0"/>
-              </a:ext>
-            </a:extLst>
-          </a:blip>
-          <a:stretch>
-            <a:fillRect/>
-          </a:stretch>
-        </p:blipFill>
-        <p:spPr>
-          <a:xfrm>
-            <a:off x="1254597" y="3214001"/>
-            <a:ext cx="1871238" cy="589714"/>
-          </a:xfrm>
-          <a:prstGeom prst="rect">
-            <a:avLst/>
-          </a:prstGeom>
-        </p:spPr>
-      </p:pic>
-      <p:pic>
-        <p:nvPicPr>
-          <p:cNvPr id="10" name="Imagen 9">
-            <a:extLst>
-              <a:ext uri="{FF2B5EF4-FFF2-40B4-BE49-F238E27FC236}">
-                <a16:creationId xmlns:a16="http://schemas.microsoft.com/office/drawing/2014/main" id="{14883B08-EE49-4E3C-A69E-11AA67AC6FC0}"/>
-              </a:ext>
-            </a:extLst>
-          </p:cNvPr>
-          <p:cNvPicPr>
-            <a:picLocks noChangeAspect="1"/>
-          </p:cNvPicPr>
-          <p:nvPr>
-            <p:custDataLst>
-              <p:tags r:id="rId3"/>
-            </p:custDataLst>
-          </p:nvPr>
-        </p:nvPicPr>
-        <p:blipFill>
-          <a:blip r:embed="rId7">
-            <a:extLst>
-              <a:ext uri="{28A0092B-C50C-407E-A947-70E740481C1C}">
-                <a14:useLocalDpi xmlns:a14="http://schemas.microsoft.com/office/drawing/2010/main" val="0"/>
-              </a:ext>
-            </a:extLst>
-          </a:blip>
-          <a:stretch>
-            <a:fillRect/>
-          </a:stretch>
-        </p:blipFill>
-        <p:spPr>
-          <a:xfrm>
-            <a:off x="1254596" y="4518144"/>
-            <a:ext cx="2505143" cy="592762"/>
-          </a:xfrm>
-          <a:prstGeom prst="rect">
-            <a:avLst/>
-          </a:prstGeom>
-        </p:spPr>
-      </p:pic>
-    </p:spTree>
-    <p:extLst>
-      <p:ext uri="{BB962C8B-B14F-4D97-AF65-F5344CB8AC3E}">
-        <p14:creationId xmlns:p14="http://schemas.microsoft.com/office/powerpoint/2010/main" val="3624664560"/>
-      </p:ext>
-    </p:extLst>
-  </p:cSld>
-  <p:clrMapOvr>
-    <a:masterClrMapping/>
-  </p:clrMapOvr>
-  <p:timing>
-    <p:tnLst>
-      <p:par>
-        <p:cTn id="1" dur="indefinite" restart="never" nodeType="tmRoot">
-          <p:childTnLst>
-            <p:seq concurrent="1" nextAc="seek">
-              <p:cTn id="2" dur="indefinite" nodeType="mainSeq">
-                <p:childTnLst>
-                  <p:par>
-                    <p:cTn id="3" fill="hold">
-                      <p:stCondLst>
-                        <p:cond delay="indefinite"/>
-                      </p:stCondLst>
-                      <p:childTnLst>
-                        <p:par>
-                          <p:cTn id="4" fill="hold">
-                            <p:stCondLst>
-                              <p:cond delay="0"/>
-                            </p:stCondLst>
-                            <p:childTnLst>
-                              <p:par>
-                                <p:cTn id="5" presetID="1" presetClass="entr" presetSubtype="0" fill="hold" nodeType="clickEffect">
-                                  <p:stCondLst>
-                                    <p:cond delay="0"/>
-                                  </p:stCondLst>
-                                  <p:childTnLst>
-                                    <p:set>
-                                      <p:cBhvr>
-                                        <p:cTn id="6" dur="1" fill="hold">
-                                          <p:stCondLst>
-                                            <p:cond delay="0"/>
-                                          </p:stCondLst>
-                                        </p:cTn>
-                                        <p:tgtEl>
-                                          <p:spTgt spid="5"/>
-                                        </p:tgtEl>
-                                        <p:attrNameLst>
-                                          <p:attrName>style.visibility</p:attrName>
-                                        </p:attrNameLst>
-                                      </p:cBhvr>
-                                      <p:to>
-                                        <p:strVal val="visible"/>
-                                      </p:to>
-                                    </p:set>
-                                  </p:childTnLst>
-                                </p:cTn>
-                              </p:par>
-                            </p:childTnLst>
-                          </p:cTn>
-                        </p:par>
-                      </p:childTnLst>
-                    </p:cTn>
-                  </p:par>
-                  <p:par>
-                    <p:cTn id="7" fill="hold">
-                      <p:stCondLst>
-                        <p:cond delay="indefinite"/>
-                      </p:stCondLst>
-                      <p:childTnLst>
-                        <p:par>
-                          <p:cTn id="8" fill="hold">
-                            <p:stCondLst>
-                              <p:cond delay="0"/>
-                            </p:stCondLst>
-                            <p:childTnLst>
-                              <p:par>
-                                <p:cTn id="9" presetID="1" presetClass="entr" presetSubtype="0" fill="hold" nodeType="clickEffect">
-                                  <p:stCondLst>
-                                    <p:cond delay="0"/>
-                                  </p:stCondLst>
-                                  <p:childTnLst>
-                                    <p:set>
-                                      <p:cBhvr>
-                                        <p:cTn id="10" dur="1" fill="hold">
-                                          <p:stCondLst>
-                                            <p:cond delay="0"/>
-                                          </p:stCondLst>
-                                        </p:cTn>
-                                        <p:tgtEl>
-                                          <p:spTgt spid="7"/>
-                                        </p:tgtEl>
-                                        <p:attrNameLst>
-                                          <p:attrName>style.visibility</p:attrName>
-                                        </p:attrNameLst>
-                                      </p:cBhvr>
-                                      <p:to>
-                                        <p:strVal val="visible"/>
-                                      </p:to>
-                                    </p:set>
-                                  </p:childTnLst>
-                                </p:cTn>
-                              </p:par>
-                            </p:childTnLst>
-                          </p:cTn>
-                        </p:par>
-                      </p:childTnLst>
-                    </p:cTn>
-                  </p:par>
-                  <p:par>
-                    <p:cTn id="11" fill="hold">
-                      <p:stCondLst>
-                        <p:cond delay="indefinite"/>
-                      </p:stCondLst>
-                      <p:childTnLst>
-                        <p:par>
-                          <p:cTn id="12" fill="hold">
-                            <p:stCondLst>
-                              <p:cond delay="0"/>
-                            </p:stCondLst>
-                            <p:childTnLst>
-                              <p:par>
-                                <p:cTn id="13" presetID="1" presetClass="entr" presetSubtype="0" fill="hold" nodeType="clickEffect">
-                                  <p:stCondLst>
-                                    <p:cond delay="0"/>
-                                  </p:stCondLst>
-                                  <p:childTnLst>
-                                    <p:set>
-                                      <p:cBhvr>
-                                        <p:cTn id="14" dur="1" fill="hold">
-                                          <p:stCondLst>
-                                            <p:cond delay="0"/>
-                                          </p:stCondLst>
-                                        </p:cTn>
-                                        <p:tgtEl>
-                                          <p:spTgt spid="10"/>
                                         </p:tgtEl>
                                         <p:attrNameLst>
                                           <p:attrName>style.visibility</p:attrName>
